--- a/CAP6675_HW2_Presentation.pptx
+++ b/CAP6675_HW2_Presentation.pptx
@@ -8,8 +8,11 @@
     <p:sldId id="256" r:id="rId2"/>
     <p:sldId id="257" r:id="rId3"/>
     <p:sldId id="260" r:id="rId4"/>
-    <p:sldId id="259" r:id="rId5"/>
-    <p:sldId id="262" r:id="rId6"/>
+    <p:sldId id="264" r:id="rId5"/>
+    <p:sldId id="259" r:id="rId6"/>
+    <p:sldId id="262" r:id="rId7"/>
+    <p:sldId id="265" r:id="rId8"/>
+    <p:sldId id="263" r:id="rId9"/>
   </p:sldIdLst>
   <p:sldSz cx="9144000" cy="6858000" type="screen4x3"/>
   <p:notesSz cx="6858000" cy="9144000"/>
@@ -7965,12 +7968,7 @@
             <p:ph type="title"/>
           </p:nvPr>
         </p:nvSpPr>
-        <p:spPr>
-          <a:xfrm>
-            <a:off x="476230" y="244158"/>
-            <a:ext cx="8240243" cy="1339850"/>
-          </a:xfrm>
-        </p:spPr>
+        <p:spPr/>
         <p:txBody>
           <a:bodyPr>
             <a:normAutofit fontScale="90000"/>
@@ -7979,7 +7977,7 @@
           <a:p>
             <a:r>
               <a:rPr lang="en-US" dirty="0" smtClean="0"/>
-              <a:t>Common Neighborhood Model</a:t>
+              <a:t>Local Neighborhood Model</a:t>
             </a:r>
             <a:endParaRPr lang="en-US" dirty="0"/>
           </a:p>
@@ -8002,62 +8000,15 @@
           </a:xfrm>
         </p:spPr>
         <p:txBody>
-          <a:bodyPr/>
+          <a:bodyPr>
+            <a:normAutofit/>
+          </a:bodyPr>
           <a:lstStyle/>
           <a:p>
-            <a:pPr marL="0" indent="0">
-              <a:buNone/>
+            <a:pPr lvl="1">
+              <a:buFontTx/>
+              <a:buChar char="-"/>
             </a:pPr>
-            <a:r>
-              <a:rPr lang="en-US" u="sng" dirty="0" smtClean="0"/>
-              <a:t>Question</a:t>
-            </a:r>
-            <a:r>
-              <a:rPr lang="en-US" dirty="0" smtClean="0"/>
-              <a:t>: </a:t>
-            </a:r>
-          </a:p>
-          <a:p>
-            <a:pPr marL="0" indent="0">
-              <a:buNone/>
-            </a:pPr>
-            <a:r>
-              <a:rPr lang="en-US" dirty="0" smtClean="0"/>
-              <a:t>How do preferred locations affect the level of segregation within a community.</a:t>
-            </a:r>
-            <a:endParaRPr lang="en-US" dirty="0"/>
-          </a:p>
-          <a:p>
-            <a:pPr marL="0" indent="0">
-              <a:buNone/>
-            </a:pPr>
-            <a:r>
-              <a:rPr lang="en-US" u="sng" dirty="0" smtClean="0"/>
-              <a:t>Hypothesis</a:t>
-            </a:r>
-            <a:r>
-              <a:rPr lang="en-US" dirty="0" smtClean="0"/>
-              <a:t>:</a:t>
-            </a:r>
-          </a:p>
-          <a:p>
-            <a:pPr marL="0" indent="0">
-              <a:buNone/>
-            </a:pPr>
-            <a:endParaRPr lang="en-US" dirty="0" smtClean="0"/>
-          </a:p>
-          <a:p>
-            <a:pPr marL="0" indent="0">
-              <a:buNone/>
-            </a:pPr>
-            <a:r>
-              <a:rPr lang="en-US" u="sng" dirty="0" smtClean="0"/>
-              <a:t>Why</a:t>
-            </a:r>
-            <a:r>
-              <a:rPr lang="en-US" dirty="0" smtClean="0"/>
-              <a:t>: </a:t>
-            </a:r>
             <a:endParaRPr lang="en-US" dirty="0"/>
           </a:p>
         </p:txBody>
@@ -8065,7 +8016,7 @@
     </p:spTree>
     <p:extLst>
       <p:ext uri="{BB962C8B-B14F-4D97-AF65-F5344CB8AC3E}">
-        <p14:creationId xmlns:p14="http://schemas.microsoft.com/office/powerpoint/2010/main" val="1858108684"/>
+        <p14:creationId xmlns:p14="http://schemas.microsoft.com/office/powerpoint/2010/main" val="2191850040"/>
       </p:ext>
     </p:extLst>
   </p:cSld>
@@ -8146,6 +8097,143 @@
               <a:buNone/>
             </a:pPr>
             <a:r>
+              <a:rPr lang="en-US" u="sng" dirty="0" smtClean="0"/>
+              <a:t>Question</a:t>
+            </a:r>
+            <a:r>
+              <a:rPr lang="en-US" dirty="0" smtClean="0"/>
+              <a:t>: </a:t>
+            </a:r>
+          </a:p>
+          <a:p>
+            <a:pPr marL="0" indent="0">
+              <a:buNone/>
+            </a:pPr>
+            <a:r>
+              <a:rPr lang="en-US" dirty="0" smtClean="0"/>
+              <a:t>How do preferred locations affect the level of segregation within a community.</a:t>
+            </a:r>
+            <a:endParaRPr lang="en-US" dirty="0"/>
+          </a:p>
+          <a:p>
+            <a:pPr marL="0" indent="0">
+              <a:buNone/>
+            </a:pPr>
+            <a:r>
+              <a:rPr lang="en-US" u="sng" dirty="0" smtClean="0"/>
+              <a:t>Hypothesis</a:t>
+            </a:r>
+            <a:r>
+              <a:rPr lang="en-US" dirty="0" smtClean="0"/>
+              <a:t>:</a:t>
+            </a:r>
+          </a:p>
+          <a:p>
+            <a:pPr marL="0" indent="0">
+              <a:buNone/>
+            </a:pPr>
+            <a:endParaRPr lang="en-US" dirty="0" smtClean="0"/>
+          </a:p>
+          <a:p>
+            <a:pPr marL="0" indent="0">
+              <a:buNone/>
+            </a:pPr>
+            <a:r>
+              <a:rPr lang="en-US" u="sng" dirty="0" smtClean="0"/>
+              <a:t>Why</a:t>
+            </a:r>
+            <a:r>
+              <a:rPr lang="en-US" dirty="0" smtClean="0"/>
+              <a:t>: </a:t>
+            </a:r>
+            <a:endParaRPr lang="en-US" dirty="0"/>
+          </a:p>
+        </p:txBody>
+      </p:sp>
+    </p:spTree>
+    <p:extLst>
+      <p:ext uri="{BB962C8B-B14F-4D97-AF65-F5344CB8AC3E}">
+        <p14:creationId xmlns:p14="http://schemas.microsoft.com/office/powerpoint/2010/main" val="1858108684"/>
+      </p:ext>
+    </p:extLst>
+  </p:cSld>
+  <p:clrMapOvr>
+    <a:masterClrMapping/>
+  </p:clrMapOvr>
+</p:sld>
+</file>
+
+<file path=ppt/slides/slide6.xml><?xml version="1.0" encoding="utf-8"?>
+<p:sld xmlns:a="http://schemas.openxmlformats.org/drawingml/2006/main" xmlns:r="http://schemas.openxmlformats.org/officeDocument/2006/relationships" xmlns:p="http://schemas.openxmlformats.org/presentationml/2006/main">
+  <p:cSld>
+    <p:spTree>
+      <p:nvGrpSpPr>
+        <p:cNvPr id="1" name=""/>
+        <p:cNvGrpSpPr/>
+        <p:nvPr/>
+      </p:nvGrpSpPr>
+      <p:grpSpPr>
+        <a:xfrm>
+          <a:off x="0" y="0"/>
+          <a:ext cx="0" cy="0"/>
+          <a:chOff x="0" y="0"/>
+          <a:chExt cx="0" cy="0"/>
+        </a:xfrm>
+      </p:grpSpPr>
+      <p:sp>
+        <p:nvSpPr>
+          <p:cNvPr id="2" name="Title 1"/>
+          <p:cNvSpPr>
+            <a:spLocks noGrp="1"/>
+          </p:cNvSpPr>
+          <p:nvPr>
+            <p:ph type="title"/>
+          </p:nvPr>
+        </p:nvSpPr>
+        <p:spPr>
+          <a:xfrm>
+            <a:off x="476230" y="244158"/>
+            <a:ext cx="8240243" cy="1339850"/>
+          </a:xfrm>
+        </p:spPr>
+        <p:txBody>
+          <a:bodyPr>
+            <a:normAutofit fontScale="90000"/>
+          </a:bodyPr>
+          <a:lstStyle/>
+          <a:p>
+            <a:r>
+              <a:rPr lang="en-US" dirty="0" smtClean="0"/>
+              <a:t>Common Neighborhood Model</a:t>
+            </a:r>
+            <a:endParaRPr lang="en-US" dirty="0"/>
+          </a:p>
+        </p:txBody>
+      </p:sp>
+      <p:sp>
+        <p:nvSpPr>
+          <p:cNvPr id="3" name="Content Placeholder 2"/>
+          <p:cNvSpPr>
+            <a:spLocks noGrp="1"/>
+          </p:cNvSpPr>
+          <p:nvPr>
+            <p:ph idx="1"/>
+          </p:nvPr>
+        </p:nvSpPr>
+        <p:spPr>
+          <a:xfrm>
+            <a:off x="375212" y="1789356"/>
+            <a:ext cx="8341262" cy="4458963"/>
+          </a:xfrm>
+        </p:spPr>
+        <p:txBody>
+          <a:bodyPr/>
+          <a:lstStyle/>
+          <a:p>
+            <a:pPr marL="0" indent="0">
+              <a:buNone/>
+            </a:pPr>
+            <a:r>
               <a:rPr lang="en-US" u="sng" dirty="0"/>
               <a:t>Model Changes</a:t>
             </a:r>
@@ -8171,6 +8259,243 @@
     <p:extLst>
       <p:ext uri="{BB962C8B-B14F-4D97-AF65-F5344CB8AC3E}">
         <p14:creationId xmlns:p14="http://schemas.microsoft.com/office/powerpoint/2010/main" val="730276728"/>
+      </p:ext>
+    </p:extLst>
+  </p:cSld>
+  <p:clrMapOvr>
+    <a:masterClrMapping/>
+  </p:clrMapOvr>
+</p:sld>
+</file>
+
+<file path=ppt/slides/slide7.xml><?xml version="1.0" encoding="utf-8"?>
+<p:sld xmlns:a="http://schemas.openxmlformats.org/drawingml/2006/main" xmlns:r="http://schemas.openxmlformats.org/officeDocument/2006/relationships" xmlns:p="http://schemas.openxmlformats.org/presentationml/2006/main">
+  <p:cSld>
+    <p:spTree>
+      <p:nvGrpSpPr>
+        <p:cNvPr id="1" name=""/>
+        <p:cNvGrpSpPr/>
+        <p:nvPr/>
+      </p:nvGrpSpPr>
+      <p:grpSpPr>
+        <a:xfrm>
+          <a:off x="0" y="0"/>
+          <a:ext cx="0" cy="0"/>
+          <a:chOff x="0" y="0"/>
+          <a:chExt cx="0" cy="0"/>
+        </a:xfrm>
+      </p:grpSpPr>
+      <p:sp>
+        <p:nvSpPr>
+          <p:cNvPr id="2" name="Title 1"/>
+          <p:cNvSpPr>
+            <a:spLocks noGrp="1"/>
+          </p:cNvSpPr>
+          <p:nvPr>
+            <p:ph type="title"/>
+          </p:nvPr>
+        </p:nvSpPr>
+        <p:spPr>
+          <a:xfrm>
+            <a:off x="476230" y="244158"/>
+            <a:ext cx="8240243" cy="1339850"/>
+          </a:xfrm>
+        </p:spPr>
+        <p:txBody>
+          <a:bodyPr>
+            <a:normAutofit fontScale="90000"/>
+          </a:bodyPr>
+          <a:lstStyle/>
+          <a:p>
+            <a:r>
+              <a:rPr lang="en-US" dirty="0" smtClean="0"/>
+              <a:t>Common Neighborhood Model</a:t>
+            </a:r>
+            <a:endParaRPr lang="en-US" dirty="0"/>
+          </a:p>
+        </p:txBody>
+      </p:sp>
+      <p:sp>
+        <p:nvSpPr>
+          <p:cNvPr id="3" name="Content Placeholder 2"/>
+          <p:cNvSpPr>
+            <a:spLocks noGrp="1"/>
+          </p:cNvSpPr>
+          <p:nvPr>
+            <p:ph idx="1"/>
+          </p:nvPr>
+        </p:nvSpPr>
+        <p:spPr>
+          <a:xfrm>
+            <a:off x="375212" y="1789356"/>
+            <a:ext cx="8341262" cy="4458963"/>
+          </a:xfrm>
+        </p:spPr>
+        <p:txBody>
+          <a:bodyPr/>
+          <a:lstStyle/>
+          <a:p>
+            <a:pPr marL="0" indent="0">
+              <a:buNone/>
+            </a:pPr>
+            <a:endParaRPr lang="en-US" dirty="0"/>
+          </a:p>
+        </p:txBody>
+      </p:sp>
+    </p:spTree>
+    <p:extLst>
+      <p:ext uri="{BB962C8B-B14F-4D97-AF65-F5344CB8AC3E}">
+        <p14:creationId xmlns:p14="http://schemas.microsoft.com/office/powerpoint/2010/main" val="673480766"/>
+      </p:ext>
+    </p:extLst>
+  </p:cSld>
+  <p:clrMapOvr>
+    <a:masterClrMapping/>
+  </p:clrMapOvr>
+</p:sld>
+</file>
+
+<file path=ppt/slides/slide8.xml><?xml version="1.0" encoding="utf-8"?>
+<p:sld xmlns:a="http://schemas.openxmlformats.org/drawingml/2006/main" xmlns:r="http://schemas.openxmlformats.org/officeDocument/2006/relationships" xmlns:p="http://schemas.openxmlformats.org/presentationml/2006/main">
+  <p:cSld>
+    <p:spTree>
+      <p:nvGrpSpPr>
+        <p:cNvPr id="1" name=""/>
+        <p:cNvGrpSpPr/>
+        <p:nvPr/>
+      </p:nvGrpSpPr>
+      <p:grpSpPr>
+        <a:xfrm>
+          <a:off x="0" y="0"/>
+          <a:ext cx="0" cy="0"/>
+          <a:chOff x="0" y="0"/>
+          <a:chExt cx="0" cy="0"/>
+        </a:xfrm>
+      </p:grpSpPr>
+      <p:sp>
+        <p:nvSpPr>
+          <p:cNvPr id="2" name="Title 1"/>
+          <p:cNvSpPr>
+            <a:spLocks noGrp="1"/>
+          </p:cNvSpPr>
+          <p:nvPr>
+            <p:ph type="title"/>
+          </p:nvPr>
+        </p:nvSpPr>
+        <p:spPr/>
+        <p:txBody>
+          <a:bodyPr/>
+          <a:lstStyle/>
+          <a:p>
+            <a:r>
+              <a:rPr lang="en-US" dirty="0" smtClean="0"/>
+              <a:t>References</a:t>
+            </a:r>
+            <a:endParaRPr lang="en-US" dirty="0"/>
+          </a:p>
+        </p:txBody>
+      </p:sp>
+      <p:sp>
+        <p:nvSpPr>
+          <p:cNvPr id="3" name="Content Placeholder 2"/>
+          <p:cNvSpPr>
+            <a:spLocks noGrp="1"/>
+          </p:cNvSpPr>
+          <p:nvPr>
+            <p:ph idx="1"/>
+          </p:nvPr>
+        </p:nvSpPr>
+        <p:spPr/>
+        <p:txBody>
+          <a:bodyPr>
+            <a:normAutofit fontScale="92500" lnSpcReduction="10000"/>
+          </a:bodyPr>
+          <a:lstStyle/>
+          <a:p>
+            <a:r>
+              <a:rPr lang="en-US" dirty="0" smtClean="0"/>
+              <a:t>Schelling, T. (1971). Dynamic models of segregation. </a:t>
+            </a:r>
+            <a:r>
+              <a:rPr lang="en-US" i="1" dirty="0" smtClean="0"/>
+              <a:t>The Journal of Mathematical Sociology, Vol. 1, </a:t>
+            </a:r>
+            <a:r>
+              <a:rPr lang="en-US" dirty="0" smtClean="0"/>
+              <a:t>143-186.</a:t>
+            </a:r>
+          </a:p>
+          <a:p>
+            <a:r>
+              <a:rPr lang="en-US" dirty="0" err="1"/>
+              <a:t>Wilensky</a:t>
+            </a:r>
+            <a:r>
+              <a:rPr lang="en-US" dirty="0"/>
+              <a:t>, U. (1997). </a:t>
+            </a:r>
+            <a:r>
+              <a:rPr lang="en-US" dirty="0" err="1"/>
+              <a:t>NetLogo</a:t>
+            </a:r>
+            <a:r>
+              <a:rPr lang="en-US" dirty="0"/>
+              <a:t> Segregation model. </a:t>
+            </a:r>
+            <a:r>
+              <a:rPr lang="en-US" dirty="0" smtClean="0">
+                <a:hlinkClick r:id="rId2"/>
+              </a:rPr>
+              <a:t>http:/</a:t>
+            </a:r>
+            <a:r>
+              <a:rPr lang="en-US" dirty="0">
+                <a:hlinkClick r:id="rId2"/>
+              </a:rPr>
+              <a:t>/ccl.northwestern.edu/netlogo/models/Segregation</a:t>
+            </a:r>
+            <a:r>
+              <a:rPr lang="en-US" dirty="0"/>
+              <a:t>. Center for Connected Learning and Computer-Based Modeling, Northwestern University, Evanston, IL. </a:t>
+            </a:r>
+          </a:p>
+          <a:p>
+            <a:r>
+              <a:rPr lang="en-US" dirty="0" err="1"/>
+              <a:t>Wilensky</a:t>
+            </a:r>
+            <a:r>
+              <a:rPr lang="en-US" dirty="0"/>
+              <a:t>, U. (1999). </a:t>
+            </a:r>
+            <a:r>
+              <a:rPr lang="en-US" dirty="0" err="1"/>
+              <a:t>NetLogo</a:t>
+            </a:r>
+            <a:r>
+              <a:rPr lang="en-US" dirty="0"/>
+              <a:t>. </a:t>
+            </a:r>
+            <a:r>
+              <a:rPr lang="en-US" dirty="0">
+                <a:hlinkClick r:id="rId3"/>
+              </a:rPr>
+              <a:t>http://ccl.northwestern.edu/netlogo/</a:t>
+            </a:r>
+            <a:r>
+              <a:rPr lang="en-US" dirty="0"/>
+              <a:t>. Center for Connected Learning and Computer-Based Modeling, Northwestern University, Evanston, IL. </a:t>
+            </a:r>
+          </a:p>
+          <a:p>
+            <a:endParaRPr lang="en-US" dirty="0"/>
+          </a:p>
+        </p:txBody>
+      </p:sp>
+    </p:spTree>
+    <p:extLst>
+      <p:ext uri="{BB962C8B-B14F-4D97-AF65-F5344CB8AC3E}">
+        <p14:creationId xmlns:p14="http://schemas.microsoft.com/office/powerpoint/2010/main" val="3700015921"/>
       </p:ext>
     </p:extLst>
   </p:cSld>

--- a/CAP6675_HW2_Presentation.pptx
+++ b/CAP6675_HW2_Presentation.pptx
@@ -112,6 +112,726 @@
     </a:lvl9pPr>
   </p:defaultTextStyle>
 </p:presentation>
+</file>
+
+<file path=ppt/charts/chart1.xml><?xml version="1.0" encoding="utf-8"?>
+<c:chartSpace xmlns:c="http://schemas.openxmlformats.org/drawingml/2006/chart" xmlns:a="http://schemas.openxmlformats.org/drawingml/2006/main" xmlns:r="http://schemas.openxmlformats.org/officeDocument/2006/relationships">
+  <c:date1904 val="1"/>
+  <c:lang val="en-US"/>
+  <c:roundedCorners val="0"/>
+  <mc:AlternateContent xmlns:mc="http://schemas.openxmlformats.org/markup-compatibility/2006">
+    <mc:Choice xmlns:c14="http://schemas.microsoft.com/office/drawing/2007/8/2/chart" Requires="c14">
+      <c14:style val="118"/>
+    </mc:Choice>
+    <mc:Fallback>
+      <c:style val="18"/>
+    </mc:Fallback>
+  </mc:AlternateContent>
+  <c:chart>
+    <c:autoTitleDeleted val="0"/>
+    <c:plotArea>
+      <c:layout/>
+      <c:lineChart>
+        <c:grouping val="standard"/>
+        <c:varyColors val="0"/>
+        <c:ser>
+          <c:idx val="1"/>
+          <c:order val="0"/>
+          <c:tx>
+            <c:v>percent-similar</c:v>
+          </c:tx>
+          <c:marker>
+            <c:symbol val="none"/>
+          </c:marker>
+          <c:cat>
+            <c:numRef>
+              <c:f>Sheet1!$N$3:$N$23</c:f>
+              <c:numCache>
+                <c:formatCode>General</c:formatCode>
+                <c:ptCount val="21"/>
+                <c:pt idx="0">
+                  <c:v>0.0</c:v>
+                </c:pt>
+                <c:pt idx="1">
+                  <c:v>5.0</c:v>
+                </c:pt>
+                <c:pt idx="2">
+                  <c:v>10.0</c:v>
+                </c:pt>
+                <c:pt idx="3">
+                  <c:v>15.0</c:v>
+                </c:pt>
+                <c:pt idx="4">
+                  <c:v>20.0</c:v>
+                </c:pt>
+                <c:pt idx="5">
+                  <c:v>25.0</c:v>
+                </c:pt>
+                <c:pt idx="6">
+                  <c:v>30.0</c:v>
+                </c:pt>
+                <c:pt idx="7">
+                  <c:v>35.0</c:v>
+                </c:pt>
+                <c:pt idx="8">
+                  <c:v>40.0</c:v>
+                </c:pt>
+                <c:pt idx="9">
+                  <c:v>45.0</c:v>
+                </c:pt>
+                <c:pt idx="10">
+                  <c:v>50.0</c:v>
+                </c:pt>
+                <c:pt idx="11">
+                  <c:v>55.0</c:v>
+                </c:pt>
+                <c:pt idx="12">
+                  <c:v>60.0</c:v>
+                </c:pt>
+                <c:pt idx="13">
+                  <c:v>65.0</c:v>
+                </c:pt>
+                <c:pt idx="14">
+                  <c:v>70.0</c:v>
+                </c:pt>
+                <c:pt idx="15">
+                  <c:v>75.0</c:v>
+                </c:pt>
+                <c:pt idx="16">
+                  <c:v>80.0</c:v>
+                </c:pt>
+                <c:pt idx="17">
+                  <c:v>85.0</c:v>
+                </c:pt>
+                <c:pt idx="18">
+                  <c:v>90.0</c:v>
+                </c:pt>
+                <c:pt idx="19">
+                  <c:v>95.0</c:v>
+                </c:pt>
+                <c:pt idx="20">
+                  <c:v>100.0</c:v>
+                </c:pt>
+              </c:numCache>
+            </c:numRef>
+          </c:cat>
+          <c:val>
+            <c:numRef>
+              <c:f>Sheet1!$O$3:$O$23</c:f>
+              <c:numCache>
+                <c:formatCode>General</c:formatCode>
+                <c:ptCount val="21"/>
+                <c:pt idx="0">
+                  <c:v>80.19210002563977</c:v>
+                </c:pt>
+                <c:pt idx="1">
+                  <c:v>85.11285232942976</c:v>
+                </c:pt>
+                <c:pt idx="2">
+                  <c:v>84.91545814691288</c:v>
+                </c:pt>
+                <c:pt idx="3">
+                  <c:v>88.54140493220702</c:v>
+                </c:pt>
+                <c:pt idx="4">
+                  <c:v>89.2747559027257</c:v>
+                </c:pt>
+                <c:pt idx="5">
+                  <c:v>89.81423933100563</c:v>
+                </c:pt>
+                <c:pt idx="6">
+                  <c:v>92.13702556556577</c:v>
+                </c:pt>
+                <c:pt idx="7">
+                  <c:v>92.92244994103245</c:v>
+                </c:pt>
+                <c:pt idx="8">
+                  <c:v>94.18008929555465</c:v>
+                </c:pt>
+                <c:pt idx="9">
+                  <c:v>95.457617229929</c:v>
+                </c:pt>
+                <c:pt idx="10">
+                  <c:v>95.51548354894366</c:v>
+                </c:pt>
+                <c:pt idx="11">
+                  <c:v>97.22333007274116</c:v>
+                </c:pt>
+                <c:pt idx="12">
+                  <c:v>97.63467904331918</c:v>
+                </c:pt>
+                <c:pt idx="13">
+                  <c:v>98.20510272849842</c:v>
+                </c:pt>
+                <c:pt idx="14">
+                  <c:v>98.93786531251371</c:v>
+                </c:pt>
+                <c:pt idx="15">
+                  <c:v>99.31417556488821</c:v>
+                </c:pt>
+                <c:pt idx="16">
+                  <c:v>99.65650090984233</c:v>
+                </c:pt>
+                <c:pt idx="17">
+                  <c:v>91.01109929063072</c:v>
+                </c:pt>
+                <c:pt idx="18">
+                  <c:v>71.3424935476028</c:v>
+                </c:pt>
+                <c:pt idx="19">
+                  <c:v>71.19979473850648</c:v>
+                </c:pt>
+                <c:pt idx="20">
+                  <c:v>70.64574966767663</c:v>
+                </c:pt>
+              </c:numCache>
+            </c:numRef>
+          </c:val>
+          <c:smooth val="0"/>
+        </c:ser>
+        <c:ser>
+          <c:idx val="0"/>
+          <c:order val="1"/>
+          <c:tx>
+            <c:v>percent-unhappy</c:v>
+          </c:tx>
+          <c:marker>
+            <c:symbol val="none"/>
+          </c:marker>
+          <c:cat>
+            <c:numRef>
+              <c:f>Sheet1!$N$3:$N$23</c:f>
+              <c:numCache>
+                <c:formatCode>General</c:formatCode>
+                <c:ptCount val="21"/>
+                <c:pt idx="0">
+                  <c:v>0.0</c:v>
+                </c:pt>
+                <c:pt idx="1">
+                  <c:v>5.0</c:v>
+                </c:pt>
+                <c:pt idx="2">
+                  <c:v>10.0</c:v>
+                </c:pt>
+                <c:pt idx="3">
+                  <c:v>15.0</c:v>
+                </c:pt>
+                <c:pt idx="4">
+                  <c:v>20.0</c:v>
+                </c:pt>
+                <c:pt idx="5">
+                  <c:v>25.0</c:v>
+                </c:pt>
+                <c:pt idx="6">
+                  <c:v>30.0</c:v>
+                </c:pt>
+                <c:pt idx="7">
+                  <c:v>35.0</c:v>
+                </c:pt>
+                <c:pt idx="8">
+                  <c:v>40.0</c:v>
+                </c:pt>
+                <c:pt idx="9">
+                  <c:v>45.0</c:v>
+                </c:pt>
+                <c:pt idx="10">
+                  <c:v>50.0</c:v>
+                </c:pt>
+                <c:pt idx="11">
+                  <c:v>55.0</c:v>
+                </c:pt>
+                <c:pt idx="12">
+                  <c:v>60.0</c:v>
+                </c:pt>
+                <c:pt idx="13">
+                  <c:v>65.0</c:v>
+                </c:pt>
+                <c:pt idx="14">
+                  <c:v>70.0</c:v>
+                </c:pt>
+                <c:pt idx="15">
+                  <c:v>75.0</c:v>
+                </c:pt>
+                <c:pt idx="16">
+                  <c:v>80.0</c:v>
+                </c:pt>
+                <c:pt idx="17">
+                  <c:v>85.0</c:v>
+                </c:pt>
+                <c:pt idx="18">
+                  <c:v>90.0</c:v>
+                </c:pt>
+                <c:pt idx="19">
+                  <c:v>95.0</c:v>
+                </c:pt>
+                <c:pt idx="20">
+                  <c:v>100.0</c:v>
+                </c:pt>
+              </c:numCache>
+            </c:numRef>
+          </c:cat>
+          <c:val>
+            <c:numRef>
+              <c:f>Sheet1!$Q$3:$Q$23</c:f>
+              <c:numCache>
+                <c:formatCode>General</c:formatCode>
+                <c:ptCount val="21"/>
+                <c:pt idx="0">
+                  <c:v>0.23550724637681</c:v>
+                </c:pt>
+                <c:pt idx="1">
+                  <c:v>0.0</c:v>
+                </c:pt>
+                <c:pt idx="2">
+                  <c:v>0.0</c:v>
+                </c:pt>
+                <c:pt idx="3">
+                  <c:v>0.0</c:v>
+                </c:pt>
+                <c:pt idx="4">
+                  <c:v>0.0</c:v>
+                </c:pt>
+                <c:pt idx="5">
+                  <c:v>0.0</c:v>
+                </c:pt>
+                <c:pt idx="6">
+                  <c:v>0.0</c:v>
+                </c:pt>
+                <c:pt idx="7">
+                  <c:v>0.0</c:v>
+                </c:pt>
+                <c:pt idx="8">
+                  <c:v>0.0</c:v>
+                </c:pt>
+                <c:pt idx="9">
+                  <c:v>0.0</c:v>
+                </c:pt>
+                <c:pt idx="10">
+                  <c:v>0.0</c:v>
+                </c:pt>
+                <c:pt idx="11">
+                  <c:v>0.0</c:v>
+                </c:pt>
+                <c:pt idx="12">
+                  <c:v>0.0</c:v>
+                </c:pt>
+                <c:pt idx="13">
+                  <c:v>0.0</c:v>
+                </c:pt>
+                <c:pt idx="14">
+                  <c:v>0.0</c:v>
+                </c:pt>
+                <c:pt idx="15">
+                  <c:v>0.0</c:v>
+                </c:pt>
+                <c:pt idx="16">
+                  <c:v>0.0</c:v>
+                </c:pt>
+                <c:pt idx="17">
+                  <c:v>19.76545714880294</c:v>
+                </c:pt>
+                <c:pt idx="18">
+                  <c:v>52.86366142502554</c:v>
+                </c:pt>
+                <c:pt idx="19">
+                  <c:v>52.75382843542117</c:v>
+                </c:pt>
+                <c:pt idx="20">
+                  <c:v>53.7688644734769</c:v>
+                </c:pt>
+              </c:numCache>
+            </c:numRef>
+          </c:val>
+          <c:smooth val="0"/>
+        </c:ser>
+        <c:dLbls>
+          <c:showLegendKey val="0"/>
+          <c:showVal val="0"/>
+          <c:showCatName val="0"/>
+          <c:showSerName val="0"/>
+          <c:showPercent val="0"/>
+          <c:showBubbleSize val="0"/>
+        </c:dLbls>
+        <c:marker val="1"/>
+        <c:smooth val="0"/>
+        <c:axId val="434484424"/>
+        <c:axId val="434490072"/>
+      </c:lineChart>
+      <c:catAx>
+        <c:axId val="434484424"/>
+        <c:scaling>
+          <c:orientation val="minMax"/>
+        </c:scaling>
+        <c:delete val="0"/>
+        <c:axPos val="b"/>
+        <c:title>
+          <c:tx>
+            <c:rich>
+              <a:bodyPr/>
+              <a:lstStyle/>
+              <a:p>
+                <a:pPr>
+                  <a:defRPr/>
+                </a:pPr>
+                <a:r>
+                  <a:rPr lang="en-US" sz="1400"/>
+                  <a:t>Young % Similar</a:t>
+                </a:r>
+                <a:r>
+                  <a:rPr lang="en-US" sz="1400" baseline="0"/>
+                  <a:t> Wanted</a:t>
+                </a:r>
+              </a:p>
+            </c:rich>
+          </c:tx>
+          <c:layout/>
+          <c:overlay val="0"/>
+        </c:title>
+        <c:numFmt formatCode="General" sourceLinked="1"/>
+        <c:majorTickMark val="out"/>
+        <c:minorTickMark val="none"/>
+        <c:tickLblPos val="nextTo"/>
+        <c:crossAx val="434490072"/>
+        <c:crosses val="autoZero"/>
+        <c:auto val="1"/>
+        <c:lblAlgn val="ctr"/>
+        <c:lblOffset val="100"/>
+        <c:noMultiLvlLbl val="0"/>
+      </c:catAx>
+      <c:valAx>
+        <c:axId val="434490072"/>
+        <c:scaling>
+          <c:orientation val="minMax"/>
+        </c:scaling>
+        <c:delete val="0"/>
+        <c:axPos val="l"/>
+        <c:majorGridlines/>
+        <c:title>
+          <c:tx>
+            <c:rich>
+              <a:bodyPr rot="0" vert="horz"/>
+              <a:lstStyle/>
+              <a:p>
+                <a:pPr>
+                  <a:defRPr/>
+                </a:pPr>
+                <a:r>
+                  <a:rPr lang="en-US"/>
+                  <a:t>%</a:t>
+                </a:r>
+              </a:p>
+            </c:rich>
+          </c:tx>
+          <c:layout/>
+          <c:overlay val="0"/>
+        </c:title>
+        <c:numFmt formatCode="General" sourceLinked="1"/>
+        <c:majorTickMark val="out"/>
+        <c:minorTickMark val="none"/>
+        <c:tickLblPos val="nextTo"/>
+        <c:crossAx val="434484424"/>
+        <c:crosses val="autoZero"/>
+        <c:crossBetween val="between"/>
+      </c:valAx>
+    </c:plotArea>
+    <c:legend>
+      <c:legendPos val="r"/>
+      <c:layout/>
+      <c:overlay val="0"/>
+    </c:legend>
+    <c:plotVisOnly val="1"/>
+    <c:dispBlanksAs val="gap"/>
+    <c:showDLblsOverMax val="0"/>
+  </c:chart>
+  <c:externalData r:id="rId1">
+    <c:autoUpdate val="0"/>
+  </c:externalData>
+</c:chartSpace>
+</file>
+
+<file path=ppt/charts/chart2.xml><?xml version="1.0" encoding="utf-8"?>
+<c:chartSpace xmlns:c="http://schemas.openxmlformats.org/drawingml/2006/chart" xmlns:a="http://schemas.openxmlformats.org/drawingml/2006/main" xmlns:r="http://schemas.openxmlformats.org/officeDocument/2006/relationships">
+  <c:date1904 val="1"/>
+  <c:lang val="en-US"/>
+  <c:roundedCorners val="0"/>
+  <mc:AlternateContent xmlns:mc="http://schemas.openxmlformats.org/markup-compatibility/2006">
+    <mc:Choice xmlns:c14="http://schemas.microsoft.com/office/drawing/2007/8/2/chart" Requires="c14">
+      <c14:style val="118"/>
+    </mc:Choice>
+    <mc:Fallback>
+      <c:style val="18"/>
+    </mc:Fallback>
+  </mc:AlternateContent>
+  <c:chart>
+    <c:title>
+      <c:layout/>
+      <c:overlay val="0"/>
+    </c:title>
+    <c:autoTitleDeleted val="0"/>
+    <c:plotArea>
+      <c:layout/>
+      <c:lineChart>
+        <c:grouping val="standard"/>
+        <c:varyColors val="0"/>
+        <c:ser>
+          <c:idx val="0"/>
+          <c:order val="0"/>
+          <c:tx>
+            <c:v>Ticks</c:v>
+          </c:tx>
+          <c:marker>
+            <c:symbol val="none"/>
+          </c:marker>
+          <c:cat>
+            <c:numRef>
+              <c:f>Sheet1!$N$3:$N$23</c:f>
+              <c:numCache>
+                <c:formatCode>General</c:formatCode>
+                <c:ptCount val="21"/>
+                <c:pt idx="0">
+                  <c:v>0.0</c:v>
+                </c:pt>
+                <c:pt idx="1">
+                  <c:v>5.0</c:v>
+                </c:pt>
+                <c:pt idx="2">
+                  <c:v>10.0</c:v>
+                </c:pt>
+                <c:pt idx="3">
+                  <c:v>15.0</c:v>
+                </c:pt>
+                <c:pt idx="4">
+                  <c:v>20.0</c:v>
+                </c:pt>
+                <c:pt idx="5">
+                  <c:v>25.0</c:v>
+                </c:pt>
+                <c:pt idx="6">
+                  <c:v>30.0</c:v>
+                </c:pt>
+                <c:pt idx="7">
+                  <c:v>35.0</c:v>
+                </c:pt>
+                <c:pt idx="8">
+                  <c:v>40.0</c:v>
+                </c:pt>
+                <c:pt idx="9">
+                  <c:v>45.0</c:v>
+                </c:pt>
+                <c:pt idx="10">
+                  <c:v>50.0</c:v>
+                </c:pt>
+                <c:pt idx="11">
+                  <c:v>55.0</c:v>
+                </c:pt>
+                <c:pt idx="12">
+                  <c:v>60.0</c:v>
+                </c:pt>
+                <c:pt idx="13">
+                  <c:v>65.0</c:v>
+                </c:pt>
+                <c:pt idx="14">
+                  <c:v>70.0</c:v>
+                </c:pt>
+                <c:pt idx="15">
+                  <c:v>75.0</c:v>
+                </c:pt>
+                <c:pt idx="16">
+                  <c:v>80.0</c:v>
+                </c:pt>
+                <c:pt idx="17">
+                  <c:v>85.0</c:v>
+                </c:pt>
+                <c:pt idx="18">
+                  <c:v>90.0</c:v>
+                </c:pt>
+                <c:pt idx="19">
+                  <c:v>95.0</c:v>
+                </c:pt>
+                <c:pt idx="20">
+                  <c:v>100.0</c:v>
+                </c:pt>
+              </c:numCache>
+            </c:numRef>
+          </c:cat>
+          <c:val>
+            <c:numRef>
+              <c:f>Sheet1!$R$3:$R$23</c:f>
+              <c:numCache>
+                <c:formatCode>General</c:formatCode>
+                <c:ptCount val="21"/>
+                <c:pt idx="0">
+                  <c:v>546.4</c:v>
+                </c:pt>
+                <c:pt idx="1">
+                  <c:v>138.4</c:v>
+                </c:pt>
+                <c:pt idx="2">
+                  <c:v>117.2</c:v>
+                </c:pt>
+                <c:pt idx="3">
+                  <c:v>68.8</c:v>
+                </c:pt>
+                <c:pt idx="4">
+                  <c:v>80.4</c:v>
+                </c:pt>
+                <c:pt idx="5">
+                  <c:v>59.4</c:v>
+                </c:pt>
+                <c:pt idx="6">
+                  <c:v>50.6</c:v>
+                </c:pt>
+                <c:pt idx="7">
+                  <c:v>66.2</c:v>
+                </c:pt>
+                <c:pt idx="8">
+                  <c:v>63.0</c:v>
+                </c:pt>
+                <c:pt idx="9">
+                  <c:v>73.0</c:v>
+                </c:pt>
+                <c:pt idx="10">
+                  <c:v>68.2</c:v>
+                </c:pt>
+                <c:pt idx="11">
+                  <c:v>85.4</c:v>
+                </c:pt>
+                <c:pt idx="12">
+                  <c:v>65.0</c:v>
+                </c:pt>
+                <c:pt idx="13">
+                  <c:v>72.6</c:v>
+                </c:pt>
+                <c:pt idx="14">
+                  <c:v>105.6</c:v>
+                </c:pt>
+                <c:pt idx="15">
+                  <c:v>105.2</c:v>
+                </c:pt>
+                <c:pt idx="16">
+                  <c:v>134.8</c:v>
+                </c:pt>
+                <c:pt idx="17">
+                  <c:v>1000.0</c:v>
+                </c:pt>
+                <c:pt idx="18">
+                  <c:v>1000.0</c:v>
+                </c:pt>
+                <c:pt idx="19">
+                  <c:v>1000.0</c:v>
+                </c:pt>
+                <c:pt idx="20">
+                  <c:v>1000.0</c:v>
+                </c:pt>
+              </c:numCache>
+            </c:numRef>
+          </c:val>
+          <c:smooth val="0"/>
+        </c:ser>
+        <c:dLbls>
+          <c:showLegendKey val="0"/>
+          <c:showVal val="0"/>
+          <c:showCatName val="0"/>
+          <c:showSerName val="0"/>
+          <c:showPercent val="0"/>
+          <c:showBubbleSize val="0"/>
+        </c:dLbls>
+        <c:marker val="1"/>
+        <c:smooth val="0"/>
+        <c:axId val="436605880"/>
+        <c:axId val="436611624"/>
+      </c:lineChart>
+      <c:catAx>
+        <c:axId val="436605880"/>
+        <c:scaling>
+          <c:orientation val="minMax"/>
+        </c:scaling>
+        <c:delete val="0"/>
+        <c:axPos val="b"/>
+        <c:title>
+          <c:tx>
+            <c:rich>
+              <a:bodyPr/>
+              <a:lstStyle/>
+              <a:p>
+                <a:pPr>
+                  <a:defRPr/>
+                </a:pPr>
+                <a:r>
+                  <a:rPr lang="en-US" sz="1400" b="1" i="0" baseline="0">
+                    <a:effectLst/>
+                  </a:rPr>
+                  <a:t>Young % Similar Wanted</a:t>
+                </a:r>
+                <a:endParaRPr lang="en-US" sz="1400">
+                  <a:effectLst/>
+                </a:endParaRPr>
+              </a:p>
+            </c:rich>
+          </c:tx>
+          <c:layout/>
+          <c:overlay val="0"/>
+        </c:title>
+        <c:numFmt formatCode="General" sourceLinked="1"/>
+        <c:majorTickMark val="out"/>
+        <c:minorTickMark val="none"/>
+        <c:tickLblPos val="nextTo"/>
+        <c:crossAx val="436611624"/>
+        <c:crosses val="autoZero"/>
+        <c:auto val="1"/>
+        <c:lblAlgn val="ctr"/>
+        <c:lblOffset val="100"/>
+        <c:noMultiLvlLbl val="0"/>
+      </c:catAx>
+      <c:valAx>
+        <c:axId val="436611624"/>
+        <c:scaling>
+          <c:orientation val="minMax"/>
+        </c:scaling>
+        <c:delete val="0"/>
+        <c:axPos val="l"/>
+        <c:majorGridlines/>
+        <c:title>
+          <c:tx>
+            <c:rich>
+              <a:bodyPr rot="0" vert="horz"/>
+              <a:lstStyle/>
+              <a:p>
+                <a:pPr>
+                  <a:defRPr/>
+                </a:pPr>
+                <a:r>
+                  <a:rPr lang="en-US"/>
+                  <a:t>#</a:t>
+                </a:r>
+              </a:p>
+            </c:rich>
+          </c:tx>
+          <c:layout/>
+          <c:overlay val="0"/>
+        </c:title>
+        <c:numFmt formatCode="General" sourceLinked="1"/>
+        <c:majorTickMark val="out"/>
+        <c:minorTickMark val="none"/>
+        <c:tickLblPos val="nextTo"/>
+        <c:crossAx val="436605880"/>
+        <c:crosses val="autoZero"/>
+        <c:crossBetween val="between"/>
+      </c:valAx>
+    </c:plotArea>
+    <c:legend>
+      <c:legendPos val="r"/>
+      <c:layout/>
+      <c:overlay val="0"/>
+    </c:legend>
+    <c:plotVisOnly val="1"/>
+    <c:dispBlanksAs val="gap"/>
+    <c:showDLblsOverMax val="0"/>
+  </c:chart>
+  <c:externalData r:id="rId1">
+    <c:autoUpdate val="0"/>
+  </c:externalData>
+</c:chartSpace>
 </file>
 
 <file path=ppt/slideLayouts/slideLayout1.xml><?xml version="1.0" encoding="utf-8"?>
@@ -550,7 +1270,7 @@
           <a:p>
             <a:fld id="{7D290233-0DD1-4A80-BB1E-9ADC3556DBB6}" type="datetimeFigureOut">
               <a:rPr lang="en-US" smtClean="0"/>
-              <a:t>9/23/15</a:t>
+              <a:t>9/26/15</a:t>
             </a:fld>
             <a:endParaRPr lang="en-US"/>
           </a:p>
@@ -1161,7 +1881,7 @@
           <a:p>
             <a:fld id="{7D290233-0DD1-4A80-BB1E-9ADC3556DBB6}" type="datetimeFigureOut">
               <a:rPr lang="en-US" smtClean="0"/>
-              <a:t>9/23/15</a:t>
+              <a:t>9/26/15</a:t>
             </a:fld>
             <a:endParaRPr lang="en-US"/>
           </a:p>
@@ -1733,7 +2453,7 @@
           <a:p>
             <a:fld id="{7D290233-0DD1-4A80-BB1E-9ADC3556DBB6}" type="datetimeFigureOut">
               <a:rPr lang="en-US" smtClean="0"/>
-              <a:t>9/23/15</a:t>
+              <a:t>9/26/15</a:t>
             </a:fld>
             <a:endParaRPr lang="en-US"/>
           </a:p>
@@ -2267,7 +2987,7 @@
           <a:p>
             <a:fld id="{7D290233-0DD1-4A80-BB1E-9ADC3556DBB6}" type="datetimeFigureOut">
               <a:rPr lang="en-US" smtClean="0"/>
-              <a:t>9/23/15</a:t>
+              <a:t>9/26/15</a:t>
             </a:fld>
             <a:endParaRPr lang="en-US"/>
           </a:p>
@@ -2669,7 +3389,7 @@
           <a:p>
             <a:fld id="{7D290233-0DD1-4A80-BB1E-9ADC3556DBB6}" type="datetimeFigureOut">
               <a:rPr lang="en-US" smtClean="0"/>
-              <a:t>9/23/15</a:t>
+              <a:t>9/26/15</a:t>
             </a:fld>
             <a:endParaRPr lang="en-US"/>
           </a:p>
@@ -3102,7 +3822,7 @@
           <a:p>
             <a:fld id="{7D290233-0DD1-4A80-BB1E-9ADC3556DBB6}" type="datetimeFigureOut">
               <a:rPr lang="en-US" smtClean="0"/>
-              <a:t>9/23/15</a:t>
+              <a:t>9/26/15</a:t>
             </a:fld>
             <a:endParaRPr lang="en-US"/>
           </a:p>
@@ -3504,7 +4224,7 @@
           <a:p>
             <a:fld id="{7D290233-0DD1-4A80-BB1E-9ADC3556DBB6}" type="datetimeFigureOut">
               <a:rPr lang="en-US" smtClean="0"/>
-              <a:t>9/23/15</a:t>
+              <a:t>9/26/15</a:t>
             </a:fld>
             <a:endParaRPr lang="en-US"/>
           </a:p>
@@ -3978,7 +4698,7 @@
           <a:p>
             <a:fld id="{7D290233-0DD1-4A80-BB1E-9ADC3556DBB6}" type="datetimeFigureOut">
               <a:rPr lang="en-US" smtClean="0"/>
-              <a:t>9/23/15</a:t>
+              <a:t>9/26/15</a:t>
             </a:fld>
             <a:endParaRPr lang="en-US"/>
           </a:p>
@@ -4428,7 +5148,7 @@
           <a:p>
             <a:fld id="{7D290233-0DD1-4A80-BB1E-9ADC3556DBB6}" type="datetimeFigureOut">
               <a:rPr lang="en-US" smtClean="0"/>
-              <a:t>9/23/15</a:t>
+              <a:t>9/26/15</a:t>
             </a:fld>
             <a:endParaRPr lang="en-US"/>
           </a:p>
@@ -4948,7 +5668,7 @@
           <a:p>
             <a:fld id="{7D290233-0DD1-4A80-BB1E-9ADC3556DBB6}" type="datetimeFigureOut">
               <a:rPr lang="en-US" smtClean="0"/>
-              <a:t>9/23/15</a:t>
+              <a:t>9/26/15</a:t>
             </a:fld>
             <a:endParaRPr lang="en-US"/>
           </a:p>
@@ -5668,7 +6388,7 @@
           <a:p>
             <a:fld id="{7D290233-0DD1-4A80-BB1E-9ADC3556DBB6}" type="datetimeFigureOut">
               <a:rPr lang="en-US" smtClean="0"/>
-              <a:t>9/23/15</a:t>
+              <a:t>9/26/15</a:t>
             </a:fld>
             <a:endParaRPr lang="en-US"/>
           </a:p>
@@ -6014,7 +6734,7 @@
           <a:p>
             <a:fld id="{7D290233-0DD1-4A80-BB1E-9ADC3556DBB6}" type="datetimeFigureOut">
               <a:rPr lang="en-US" smtClean="0"/>
-              <a:t>9/23/15</a:t>
+              <a:t>9/26/15</a:t>
             </a:fld>
             <a:endParaRPr lang="en-US"/>
           </a:p>
@@ -6283,7 +7003,7 @@
           <a:p>
             <a:fld id="{7D290233-0DD1-4A80-BB1E-9ADC3556DBB6}" type="datetimeFigureOut">
               <a:rPr lang="en-US" smtClean="0"/>
-              <a:t>9/23/15</a:t>
+              <a:t>9/26/15</a:t>
             </a:fld>
             <a:endParaRPr lang="en-US"/>
           </a:p>
@@ -6840,7 +7560,7 @@
           <a:p>
             <a:fld id="{7D290233-0DD1-4A80-BB1E-9ADC3556DBB6}" type="datetimeFigureOut">
               <a:rPr lang="en-US" smtClean="0"/>
-              <a:t>9/23/15</a:t>
+              <a:t>9/26/15</a:t>
             </a:fld>
             <a:endParaRPr lang="en-US"/>
           </a:p>
@@ -7050,7 +7770,7 @@
           <a:p>
             <a:fld id="{7D290233-0DD1-4A80-BB1E-9ADC3556DBB6}" type="datetimeFigureOut">
               <a:rPr lang="en-US" smtClean="0"/>
-              <a:t>9/23/15</a:t>
+              <a:t>9/26/15</a:t>
             </a:fld>
             <a:endParaRPr lang="en-US"/>
           </a:p>
@@ -7983,32 +8703,120 @@
           </a:p>
         </p:txBody>
       </p:sp>
-      <p:sp>
-        <p:nvSpPr>
-          <p:cNvPr id="3" name="Content Placeholder 2"/>
-          <p:cNvSpPr>
-            <a:spLocks noGrp="1"/>
-          </p:cNvSpPr>
-          <p:nvPr>
-            <p:ph idx="1"/>
-          </p:nvPr>
+      <p:graphicFrame>
+        <p:nvGraphicFramePr>
+          <p:cNvPr id="4" name="Chart 3"/>
+          <p:cNvGraphicFramePr>
+            <a:graphicFrameLocks/>
+          </p:cNvGraphicFramePr>
+          <p:nvPr>
+            <p:extLst>
+              <p:ext uri="{D42A27DB-BD31-4B8C-83A1-F6EECF244321}">
+                <p14:modId xmlns:p14="http://schemas.microsoft.com/office/powerpoint/2010/main" val="812766261"/>
+              </p:ext>
+            </p:extLst>
+          </p:nvPr>
+        </p:nvGraphicFramePr>
+        <p:xfrm>
+          <a:off x="150175" y="3638598"/>
+          <a:ext cx="4572000" cy="2743200"/>
+        </p:xfrm>
+        <a:graphic>
+          <a:graphicData uri="http://schemas.openxmlformats.org/drawingml/2006/chart">
+            <c:chart xmlns:c="http://schemas.openxmlformats.org/drawingml/2006/chart" xmlns:r="http://schemas.openxmlformats.org/officeDocument/2006/relationships" r:id="rId2"/>
+          </a:graphicData>
+        </a:graphic>
+      </p:graphicFrame>
+      <p:graphicFrame>
+        <p:nvGraphicFramePr>
+          <p:cNvPr id="5" name="Chart 4"/>
+          <p:cNvGraphicFramePr>
+            <a:graphicFrameLocks/>
+          </p:cNvGraphicFramePr>
+          <p:nvPr>
+            <p:extLst>
+              <p:ext uri="{D42A27DB-BD31-4B8C-83A1-F6EECF244321}">
+                <p14:modId xmlns:p14="http://schemas.microsoft.com/office/powerpoint/2010/main" val="3507754249"/>
+              </p:ext>
+            </p:extLst>
+          </p:nvPr>
+        </p:nvGraphicFramePr>
+        <p:xfrm>
+          <a:off x="4427688" y="3638598"/>
+          <a:ext cx="4572000" cy="2743200"/>
+        </p:xfrm>
+        <a:graphic>
+          <a:graphicData uri="http://schemas.openxmlformats.org/drawingml/2006/chart">
+            <c:chart xmlns:c="http://schemas.openxmlformats.org/drawingml/2006/chart" xmlns:r="http://schemas.openxmlformats.org/officeDocument/2006/relationships" r:id="rId3"/>
+          </a:graphicData>
+        </a:graphic>
+      </p:graphicFrame>
+      <p:sp>
+        <p:nvSpPr>
+          <p:cNvPr id="6" name="TextBox 5"/>
+          <p:cNvSpPr txBox="1"/>
+          <p:nvPr/>
         </p:nvSpPr>
         <p:spPr>
           <a:xfrm>
-            <a:off x="375212" y="1789356"/>
-            <a:ext cx="8341262" cy="4458963"/>
+            <a:off x="600999" y="1919230"/>
+            <a:ext cx="3826689" cy="1477328"/>
           </a:xfrm>
+          <a:prstGeom prst="rect">
+            <a:avLst/>
+          </a:prstGeom>
+          <a:noFill/>
         </p:spPr>
         <p:txBody>
-          <a:bodyPr>
-            <a:normAutofit/>
+          <a:bodyPr wrap="none" rtlCol="0">
+            <a:spAutoFit/>
           </a:bodyPr>
           <a:lstStyle/>
           <a:p>
-            <a:pPr lvl="1">
-              <a:buFontTx/>
-              <a:buChar char="-"/>
+            <a:r>
+              <a:rPr lang="en-US" dirty="0" smtClean="0"/>
+              <a:t>Parameters:</a:t>
+            </a:r>
+          </a:p>
+          <a:p>
+            <a:pPr marL="285750" indent="-285750">
+              <a:buFont typeface="Arial"/>
+              <a:buChar char="•"/>
             </a:pPr>
+            <a:r>
+              <a:rPr lang="en-US" dirty="0" smtClean="0"/>
+              <a:t>60% Old</a:t>
+            </a:r>
+          </a:p>
+          <a:p>
+            <a:pPr marL="742950" lvl="1" indent="-285750">
+              <a:buFont typeface="Arial"/>
+              <a:buChar char="•"/>
+            </a:pPr>
+            <a:r>
+              <a:rPr lang="en-US" dirty="0" smtClean="0"/>
+              <a:t>% Similar Wanted = 65%</a:t>
+            </a:r>
+          </a:p>
+          <a:p>
+            <a:pPr marL="285750" indent="-285750">
+              <a:buFont typeface="Arial"/>
+              <a:buChar char="•"/>
+            </a:pPr>
+            <a:r>
+              <a:rPr lang="en-US" dirty="0" smtClean="0"/>
+              <a:t>40% Young</a:t>
+            </a:r>
+          </a:p>
+          <a:p>
+            <a:pPr marL="742950" lvl="1" indent="-285750">
+              <a:buFont typeface="Arial"/>
+              <a:buChar char="•"/>
+            </a:pPr>
+            <a:r>
+              <a:rPr lang="en-US" dirty="0" smtClean="0"/>
+              <a:t>% Similar Wanted = [0 5 100]</a:t>
+            </a:r>
             <a:endParaRPr lang="en-US" dirty="0"/>
           </a:p>
         </p:txBody>
@@ -8111,7 +8919,15 @@
             </a:pPr>
             <a:r>
               <a:rPr lang="en-US" dirty="0" smtClean="0"/>
-              <a:t>How do preferred locations affect the level of segregation within a community.</a:t>
+              <a:t>How </a:t>
+            </a:r>
+            <a:r>
+              <a:rPr lang="en-US" dirty="0" smtClean="0"/>
+              <a:t>does age affect </a:t>
+            </a:r>
+            <a:r>
+              <a:rPr lang="en-US" dirty="0" smtClean="0"/>
+              <a:t>the level of segregation within a community.</a:t>
             </a:r>
             <a:endParaRPr lang="en-US" dirty="0"/>
           </a:p>

--- a/CAP6675_HW2_Presentation.pptx
+++ b/CAP6675_HW2_Presentation.pptx
@@ -8,7 +8,7 @@
     <p:sldId id="256" r:id="rId2"/>
     <p:sldId id="257" r:id="rId3"/>
     <p:sldId id="260" r:id="rId4"/>
-    <p:sldId id="264" r:id="rId5"/>
+    <p:sldId id="266" r:id="rId5"/>
     <p:sldId id="259" r:id="rId6"/>
     <p:sldId id="262" r:id="rId7"/>
     <p:sldId id="265" r:id="rId8"/>
@@ -116,7 +116,7 @@
 
 <file path=ppt/charts/chart1.xml><?xml version="1.0" encoding="utf-8"?>
 <c:chartSpace xmlns:c="http://schemas.openxmlformats.org/drawingml/2006/chart" xmlns:a="http://schemas.openxmlformats.org/drawingml/2006/main" xmlns:r="http://schemas.openxmlformats.org/officeDocument/2006/relationships">
-  <c:date1904 val="1"/>
+  <c:date1904 val="0"/>
   <c:lang val="en-US"/>
   <c:roundedCorners val="0"/>
   <mc:AlternateContent xmlns:mc="http://schemas.openxmlformats.org/markup-compatibility/2006">
@@ -128,6 +128,30 @@
     </mc:Fallback>
   </mc:AlternateContent>
   <c:chart>
+    <c:title>
+      <c:tx>
+        <c:rich>
+          <a:bodyPr/>
+          <a:lstStyle/>
+          <a:p>
+            <a:pPr>
+              <a:defRPr/>
+            </a:pPr>
+            <a:r>
+              <a:rPr lang="en-US" dirty="0" smtClean="0"/>
+              <a:t>Varying Young % Similar</a:t>
+            </a:r>
+            <a:r>
+              <a:rPr lang="en-US" baseline="0" dirty="0" smtClean="0"/>
+              <a:t> Wanted</a:t>
+            </a:r>
+            <a:endParaRPr lang="en-US" dirty="0"/>
+          </a:p>
+        </c:rich>
+      </c:tx>
+      <c:layout/>
+      <c:overlay val="0"/>
+    </c:title>
     <c:autoTitleDeleted val="0"/>
     <c:plotArea>
       <c:layout/>
@@ -222,10 +246,10 @@
                 <c:formatCode>General</c:formatCode>
                 <c:ptCount val="21"/>
                 <c:pt idx="0">
-                  <c:v>80.19210002563977</c:v>
+                  <c:v>80.19210002563975</c:v>
                 </c:pt>
                 <c:pt idx="1">
-                  <c:v>85.11285232942976</c:v>
+                  <c:v>85.11285232942964</c:v>
                 </c:pt>
                 <c:pt idx="2">
                   <c:v>84.91545814691288</c:v>
@@ -234,7 +258,7 @@
                   <c:v>88.54140493220702</c:v>
                 </c:pt>
                 <c:pt idx="4">
-                  <c:v>89.2747559027257</c:v>
+                  <c:v>89.27475590272564</c:v>
                 </c:pt>
                 <c:pt idx="5">
                   <c:v>89.81423933100563</c:v>
@@ -243,10 +267,10 @@
                   <c:v>92.13702556556577</c:v>
                 </c:pt>
                 <c:pt idx="7">
-                  <c:v>92.92244994103245</c:v>
+                  <c:v>92.92244994103246</c:v>
                 </c:pt>
                 <c:pt idx="8">
-                  <c:v>94.18008929555465</c:v>
+                  <c:v>94.18008929555457</c:v>
                 </c:pt>
                 <c:pt idx="9">
                   <c:v>95.457617229929</c:v>
@@ -255,13 +279,13 @@
                   <c:v>95.51548354894366</c:v>
                 </c:pt>
                 <c:pt idx="11">
-                  <c:v>97.22333007274116</c:v>
+                  <c:v>97.22333007274106</c:v>
                 </c:pt>
                 <c:pt idx="12">
-                  <c:v>97.63467904331918</c:v>
+                  <c:v>97.6346790433192</c:v>
                 </c:pt>
                 <c:pt idx="13">
-                  <c:v>98.20510272849842</c:v>
+                  <c:v>98.20510272849836</c:v>
                 </c:pt>
                 <c:pt idx="14">
                   <c:v>98.93786531251371</c:v>
@@ -279,7 +303,7 @@
                   <c:v>71.3424935476028</c:v>
                 </c:pt>
                 <c:pt idx="19">
-                  <c:v>71.19979473850648</c:v>
+                  <c:v>71.19979473850643</c:v>
                 </c:pt>
                 <c:pt idx="20">
                   <c:v>70.64574966767663</c:v>
@@ -431,7 +455,7 @@
                   <c:v>19.76545714880294</c:v>
                 </c:pt>
                 <c:pt idx="18">
-                  <c:v>52.86366142502554</c:v>
+                  <c:v>52.8636614250255</c:v>
                 </c:pt>
                 <c:pt idx="19">
                   <c:v>52.75382843542117</c:v>
@@ -454,11 +478,11 @@
         </c:dLbls>
         <c:marker val="1"/>
         <c:smooth val="0"/>
-        <c:axId val="434484424"/>
-        <c:axId val="434490072"/>
+        <c:axId val="2112966664"/>
+        <c:axId val="2110288520"/>
       </c:lineChart>
       <c:catAx>
-        <c:axId val="434484424"/>
+        <c:axId val="2112966664"/>
         <c:scaling>
           <c:orientation val="minMax"/>
         </c:scaling>
@@ -491,7 +515,7 @@
         <c:majorTickMark val="out"/>
         <c:minorTickMark val="none"/>
         <c:tickLblPos val="nextTo"/>
-        <c:crossAx val="434490072"/>
+        <c:crossAx val="2110288520"/>
         <c:crosses val="autoZero"/>
         <c:auto val="1"/>
         <c:lblAlgn val="ctr"/>
@@ -499,9 +523,10 @@
         <c:noMultiLvlLbl val="0"/>
       </c:catAx>
       <c:valAx>
-        <c:axId val="434490072"/>
+        <c:axId val="2110288520"/>
         <c:scaling>
           <c:orientation val="minMax"/>
+          <c:max val="100.0"/>
         </c:scaling>
         <c:delete val="0"/>
         <c:axPos val="l"/>
@@ -529,7 +554,7 @@
         <c:majorTickMark val="out"/>
         <c:minorTickMark val="none"/>
         <c:tickLblPos val="nextTo"/>
-        <c:crossAx val="434484424"/>
+        <c:crossAx val="2112966664"/>
         <c:crosses val="autoZero"/>
         <c:crossBetween val="between"/>
       </c:valAx>
@@ -551,7 +576,7 @@
 
 <file path=ppt/charts/chart2.xml><?xml version="1.0" encoding="utf-8"?>
 <c:chartSpace xmlns:c="http://schemas.openxmlformats.org/drawingml/2006/chart" xmlns:a="http://schemas.openxmlformats.org/drawingml/2006/main" xmlns:r="http://schemas.openxmlformats.org/officeDocument/2006/relationships">
-  <c:date1904 val="1"/>
+  <c:date1904 val="0"/>
   <c:lang val="en-US"/>
   <c:roundedCorners val="0"/>
   <mc:AlternateContent xmlns:mc="http://schemas.openxmlformats.org/markup-compatibility/2006">
@@ -738,11 +763,11 @@
         </c:dLbls>
         <c:marker val="1"/>
         <c:smooth val="0"/>
-        <c:axId val="436605880"/>
-        <c:axId val="436611624"/>
+        <c:axId val="2066672088"/>
+        <c:axId val="2066654872"/>
       </c:lineChart>
       <c:catAx>
-        <c:axId val="436605880"/>
+        <c:axId val="2066672088"/>
         <c:scaling>
           <c:orientation val="minMax"/>
         </c:scaling>
@@ -776,7 +801,7 @@
         <c:majorTickMark val="out"/>
         <c:minorTickMark val="none"/>
         <c:tickLblPos val="nextTo"/>
-        <c:crossAx val="436611624"/>
+        <c:crossAx val="2066654872"/>
         <c:crosses val="autoZero"/>
         <c:auto val="1"/>
         <c:lblAlgn val="ctr"/>
@@ -784,7 +809,7 @@
         <c:noMultiLvlLbl val="0"/>
       </c:catAx>
       <c:valAx>
-        <c:axId val="436611624"/>
+        <c:axId val="2066654872"/>
         <c:scaling>
           <c:orientation val="minMax"/>
         </c:scaling>
@@ -814,7 +839,7 @@
         <c:majorTickMark val="out"/>
         <c:minorTickMark val="none"/>
         <c:tickLblPos val="nextTo"/>
-        <c:crossAx val="436605880"/>
+        <c:crossAx val="2066672088"/>
         <c:crosses val="autoZero"/>
         <c:crossBetween val="between"/>
       </c:valAx>
@@ -1270,7 +1295,7 @@
           <a:p>
             <a:fld id="{7D290233-0DD1-4A80-BB1E-9ADC3556DBB6}" type="datetimeFigureOut">
               <a:rPr lang="en-US" smtClean="0"/>
-              <a:t>9/26/15</a:t>
+              <a:t>9/27/15</a:t>
             </a:fld>
             <a:endParaRPr lang="en-US"/>
           </a:p>
@@ -1881,7 +1906,7 @@
           <a:p>
             <a:fld id="{7D290233-0DD1-4A80-BB1E-9ADC3556DBB6}" type="datetimeFigureOut">
               <a:rPr lang="en-US" smtClean="0"/>
-              <a:t>9/26/15</a:t>
+              <a:t>9/27/15</a:t>
             </a:fld>
             <a:endParaRPr lang="en-US"/>
           </a:p>
@@ -2453,7 +2478,7 @@
           <a:p>
             <a:fld id="{7D290233-0DD1-4A80-BB1E-9ADC3556DBB6}" type="datetimeFigureOut">
               <a:rPr lang="en-US" smtClean="0"/>
-              <a:t>9/26/15</a:t>
+              <a:t>9/27/15</a:t>
             </a:fld>
             <a:endParaRPr lang="en-US"/>
           </a:p>
@@ -2987,7 +3012,7 @@
           <a:p>
             <a:fld id="{7D290233-0DD1-4A80-BB1E-9ADC3556DBB6}" type="datetimeFigureOut">
               <a:rPr lang="en-US" smtClean="0"/>
-              <a:t>9/26/15</a:t>
+              <a:t>9/27/15</a:t>
             </a:fld>
             <a:endParaRPr lang="en-US"/>
           </a:p>
@@ -3389,7 +3414,7 @@
           <a:p>
             <a:fld id="{7D290233-0DD1-4A80-BB1E-9ADC3556DBB6}" type="datetimeFigureOut">
               <a:rPr lang="en-US" smtClean="0"/>
-              <a:t>9/26/15</a:t>
+              <a:t>9/27/15</a:t>
             </a:fld>
             <a:endParaRPr lang="en-US"/>
           </a:p>
@@ -3822,7 +3847,7 @@
           <a:p>
             <a:fld id="{7D290233-0DD1-4A80-BB1E-9ADC3556DBB6}" type="datetimeFigureOut">
               <a:rPr lang="en-US" smtClean="0"/>
-              <a:t>9/26/15</a:t>
+              <a:t>9/27/15</a:t>
             </a:fld>
             <a:endParaRPr lang="en-US"/>
           </a:p>
@@ -4224,7 +4249,7 @@
           <a:p>
             <a:fld id="{7D290233-0DD1-4A80-BB1E-9ADC3556DBB6}" type="datetimeFigureOut">
               <a:rPr lang="en-US" smtClean="0"/>
-              <a:t>9/26/15</a:t>
+              <a:t>9/27/15</a:t>
             </a:fld>
             <a:endParaRPr lang="en-US"/>
           </a:p>
@@ -4698,7 +4723,7 @@
           <a:p>
             <a:fld id="{7D290233-0DD1-4A80-BB1E-9ADC3556DBB6}" type="datetimeFigureOut">
               <a:rPr lang="en-US" smtClean="0"/>
-              <a:t>9/26/15</a:t>
+              <a:t>9/27/15</a:t>
             </a:fld>
             <a:endParaRPr lang="en-US"/>
           </a:p>
@@ -5148,7 +5173,7 @@
           <a:p>
             <a:fld id="{7D290233-0DD1-4A80-BB1E-9ADC3556DBB6}" type="datetimeFigureOut">
               <a:rPr lang="en-US" smtClean="0"/>
-              <a:t>9/26/15</a:t>
+              <a:t>9/27/15</a:t>
             </a:fld>
             <a:endParaRPr lang="en-US"/>
           </a:p>
@@ -5668,7 +5693,7 @@
           <a:p>
             <a:fld id="{7D290233-0DD1-4A80-BB1E-9ADC3556DBB6}" type="datetimeFigureOut">
               <a:rPr lang="en-US" smtClean="0"/>
-              <a:t>9/26/15</a:t>
+              <a:t>9/27/15</a:t>
             </a:fld>
             <a:endParaRPr lang="en-US"/>
           </a:p>
@@ -6388,7 +6413,7 @@
           <a:p>
             <a:fld id="{7D290233-0DD1-4A80-BB1E-9ADC3556DBB6}" type="datetimeFigureOut">
               <a:rPr lang="en-US" smtClean="0"/>
-              <a:t>9/26/15</a:t>
+              <a:t>9/27/15</a:t>
             </a:fld>
             <a:endParaRPr lang="en-US"/>
           </a:p>
@@ -6734,7 +6759,7 @@
           <a:p>
             <a:fld id="{7D290233-0DD1-4A80-BB1E-9ADC3556DBB6}" type="datetimeFigureOut">
               <a:rPr lang="en-US" smtClean="0"/>
-              <a:t>9/26/15</a:t>
+              <a:t>9/27/15</a:t>
             </a:fld>
             <a:endParaRPr lang="en-US"/>
           </a:p>
@@ -7003,7 +7028,7 @@
           <a:p>
             <a:fld id="{7D290233-0DD1-4A80-BB1E-9ADC3556DBB6}" type="datetimeFigureOut">
               <a:rPr lang="en-US" smtClean="0"/>
-              <a:t>9/26/15</a:t>
+              <a:t>9/27/15</a:t>
             </a:fld>
             <a:endParaRPr lang="en-US"/>
           </a:p>
@@ -7560,7 +7585,7 @@
           <a:p>
             <a:fld id="{7D290233-0DD1-4A80-BB1E-9ADC3556DBB6}" type="datetimeFigureOut">
               <a:rPr lang="en-US" smtClean="0"/>
-              <a:t>9/26/15</a:t>
+              <a:t>9/27/15</a:t>
             </a:fld>
             <a:endParaRPr lang="en-US"/>
           </a:p>
@@ -7770,7 +7795,7 @@
           <a:p>
             <a:fld id="{7D290233-0DD1-4A80-BB1E-9ADC3556DBB6}" type="datetimeFigureOut">
               <a:rPr lang="en-US" smtClean="0"/>
-              <a:t>9/26/15</a:t>
+              <a:t>9/27/15</a:t>
             </a:fld>
             <a:endParaRPr lang="en-US"/>
           </a:p>
@@ -8712,14 +8737,14 @@
           <p:nvPr>
             <p:extLst>
               <p:ext uri="{D42A27DB-BD31-4B8C-83A1-F6EECF244321}">
-                <p14:modId xmlns:p14="http://schemas.microsoft.com/office/powerpoint/2010/main" val="812766261"/>
+                <p14:modId xmlns:p14="http://schemas.microsoft.com/office/powerpoint/2010/main" val="3717212227"/>
               </p:ext>
             </p:extLst>
           </p:nvPr>
         </p:nvGraphicFramePr>
         <p:xfrm>
-          <a:off x="150175" y="3638598"/>
-          <a:ext cx="4572000" cy="2743200"/>
+          <a:off x="329469" y="3254221"/>
+          <a:ext cx="4166744" cy="2500047"/>
         </p:xfrm>
         <a:graphic>
           <a:graphicData uri="http://schemas.openxmlformats.org/drawingml/2006/chart">
@@ -8736,14 +8761,14 @@
           <p:nvPr>
             <p:extLst>
               <p:ext uri="{D42A27DB-BD31-4B8C-83A1-F6EECF244321}">
-                <p14:modId xmlns:p14="http://schemas.microsoft.com/office/powerpoint/2010/main" val="3507754249"/>
+                <p14:modId xmlns:p14="http://schemas.microsoft.com/office/powerpoint/2010/main" val="2053670861"/>
               </p:ext>
             </p:extLst>
           </p:nvPr>
         </p:nvGraphicFramePr>
         <p:xfrm>
-          <a:off x="4427688" y="3638598"/>
-          <a:ext cx="4572000" cy="2743200"/>
+          <a:off x="4606982" y="3250266"/>
+          <a:ext cx="4173336" cy="2504002"/>
         </p:xfrm>
         <a:graphic>
           <a:graphicData uri="http://schemas.openxmlformats.org/drawingml/2006/chart">
@@ -8759,8 +8784,8 @@
         </p:nvSpPr>
         <p:spPr>
           <a:xfrm>
-            <a:off x="600999" y="1919230"/>
-            <a:ext cx="3826689" cy="1477328"/>
+            <a:off x="3230482" y="5515143"/>
+            <a:ext cx="2531462" cy="861774"/>
           </a:xfrm>
           <a:prstGeom prst="rect">
             <a:avLst/>
@@ -8774,7 +8799,7 @@
           <a:lstStyle/>
           <a:p>
             <a:r>
-              <a:rPr lang="en-US" dirty="0" smtClean="0"/>
+              <a:rPr lang="en-US" sz="1000" dirty="0" smtClean="0"/>
               <a:t>Parameters:</a:t>
             </a:r>
           </a:p>
@@ -8784,7 +8809,7 @@
               <a:buChar char="•"/>
             </a:pPr>
             <a:r>
-              <a:rPr lang="en-US" dirty="0" smtClean="0"/>
+              <a:rPr lang="en-US" sz="1000" dirty="0" smtClean="0"/>
               <a:t>60% Old</a:t>
             </a:r>
           </a:p>
@@ -8794,7 +8819,7 @@
               <a:buChar char="•"/>
             </a:pPr>
             <a:r>
-              <a:rPr lang="en-US" dirty="0" smtClean="0"/>
+              <a:rPr lang="en-US" sz="1000" dirty="0" smtClean="0"/>
               <a:t>% Similar Wanted = 65%</a:t>
             </a:r>
           </a:p>
@@ -8804,7 +8829,7 @@
               <a:buChar char="•"/>
             </a:pPr>
             <a:r>
-              <a:rPr lang="en-US" dirty="0" smtClean="0"/>
+              <a:rPr lang="en-US" sz="1000" dirty="0" smtClean="0"/>
               <a:t>40% Young</a:t>
             </a:r>
           </a:p>
@@ -8814,17 +8839,63 @@
               <a:buChar char="•"/>
             </a:pPr>
             <a:r>
+              <a:rPr lang="en-US" sz="1000" dirty="0" smtClean="0"/>
+              <a:t>% Similar Wanted = [0 5 100]</a:t>
+            </a:r>
+            <a:endParaRPr lang="en-US" sz="1000" dirty="0"/>
+          </a:p>
+        </p:txBody>
+      </p:sp>
+      <p:sp>
+        <p:nvSpPr>
+          <p:cNvPr id="7" name="Content Placeholder 2"/>
+          <p:cNvSpPr>
+            <a:spLocks noGrp="1"/>
+          </p:cNvSpPr>
+          <p:nvPr>
+            <p:ph idx="1"/>
+          </p:nvPr>
+        </p:nvSpPr>
+        <p:spPr>
+          <a:xfrm>
+            <a:off x="375212" y="1673917"/>
+            <a:ext cx="8341262" cy="1587334"/>
+          </a:xfrm>
+        </p:spPr>
+        <p:txBody>
+          <a:bodyPr>
+            <a:normAutofit fontScale="92500" lnSpcReduction="10000"/>
+          </a:bodyPr>
+          <a:lstStyle/>
+          <a:p>
+            <a:pPr marL="0" indent="0">
+              <a:buNone/>
+            </a:pPr>
+            <a:r>
+              <a:rPr lang="en-US" u="sng" dirty="0" smtClean="0"/>
+              <a:t>Results</a:t>
+            </a:r>
+            <a:r>
               <a:rPr lang="en-US" dirty="0" smtClean="0"/>
-              <a:t>% Similar Wanted = [0 5 100]</a:t>
-            </a:r>
-            <a:endParaRPr lang="en-US" dirty="0"/>
+              <a:t>:</a:t>
+            </a:r>
+          </a:p>
+          <a:p>
+            <a:pPr>
+              <a:buFontTx/>
+              <a:buChar char="-"/>
+            </a:pPr>
+            <a:r>
+              <a:rPr lang="en-US" dirty="0" smtClean="0"/>
+              <a:t>Overall having a younger age group with a lower tolerance increased the happiness level within the community and lowered the time required to reach an equilibrium.</a:t>
+            </a:r>
           </a:p>
         </p:txBody>
       </p:sp>
     </p:spTree>
     <p:extLst>
       <p:ext uri="{BB962C8B-B14F-4D97-AF65-F5344CB8AC3E}">
-        <p14:creationId xmlns:p14="http://schemas.microsoft.com/office/powerpoint/2010/main" val="2191850040"/>
+        <p14:creationId xmlns:p14="http://schemas.microsoft.com/office/powerpoint/2010/main" val="2372636224"/>
       </p:ext>
     </p:extLst>
   </p:cSld>
@@ -8919,15 +8990,7 @@
             </a:pPr>
             <a:r>
               <a:rPr lang="en-US" dirty="0" smtClean="0"/>
-              <a:t>How </a:t>
-            </a:r>
-            <a:r>
-              <a:rPr lang="en-US" dirty="0" smtClean="0"/>
-              <a:t>does age affect </a:t>
-            </a:r>
-            <a:r>
-              <a:rPr lang="en-US" dirty="0" smtClean="0"/>
-              <a:t>the level of segregation within a community.</a:t>
+              <a:t>How does age affect the level of segregation within a community.</a:t>
             </a:r>
             <a:endParaRPr lang="en-US" dirty="0"/>
           </a:p>

--- a/CAP6675_HW2_Presentation.pptx
+++ b/CAP6675_HW2_Presentation.pptx
@@ -116,17 +116,8 @@
 
 <file path=ppt/charts/chart1.xml><?xml version="1.0" encoding="utf-8"?>
 <c:chartSpace xmlns:c="http://schemas.openxmlformats.org/drawingml/2006/chart" xmlns:a="http://schemas.openxmlformats.org/drawingml/2006/main" xmlns:r="http://schemas.openxmlformats.org/officeDocument/2006/relationships">
-  <c:date1904 val="0"/>
   <c:lang val="en-US"/>
-  <c:roundedCorners val="0"/>
-  <mc:AlternateContent xmlns:mc="http://schemas.openxmlformats.org/markup-compatibility/2006">
-    <mc:Choice xmlns:c14="http://schemas.microsoft.com/office/drawing/2007/8/2/chart" Requires="c14">
-      <c14:style val="118"/>
-    </mc:Choice>
-    <mc:Fallback>
-      <c:style val="18"/>
-    </mc:Fallback>
-  </mc:AlternateContent>
+  <c:style val="18"/>
   <c:chart>
     <c:title>
       <c:tx>
@@ -150,14 +141,11 @@
         </c:rich>
       </c:tx>
       <c:layout/>
-      <c:overlay val="0"/>
     </c:title>
-    <c:autoTitleDeleted val="0"/>
     <c:plotArea>
       <c:layout/>
       <c:lineChart>
         <c:grouping val="standard"/>
-        <c:varyColors val="0"/>
         <c:ser>
           <c:idx val="1"/>
           <c:order val="0"/>
@@ -174,67 +162,67 @@
                 <c:formatCode>General</c:formatCode>
                 <c:ptCount val="21"/>
                 <c:pt idx="0">
-                  <c:v>0.0</c:v>
+                  <c:v>0</c:v>
                 </c:pt>
                 <c:pt idx="1">
-                  <c:v>5.0</c:v>
+                  <c:v>5</c:v>
                 </c:pt>
                 <c:pt idx="2">
-                  <c:v>10.0</c:v>
+                  <c:v>10</c:v>
                 </c:pt>
                 <c:pt idx="3">
-                  <c:v>15.0</c:v>
+                  <c:v>15</c:v>
                 </c:pt>
                 <c:pt idx="4">
-                  <c:v>20.0</c:v>
+                  <c:v>20</c:v>
                 </c:pt>
                 <c:pt idx="5">
-                  <c:v>25.0</c:v>
+                  <c:v>25</c:v>
                 </c:pt>
                 <c:pt idx="6">
-                  <c:v>30.0</c:v>
+                  <c:v>30</c:v>
                 </c:pt>
                 <c:pt idx="7">
-                  <c:v>35.0</c:v>
+                  <c:v>35</c:v>
                 </c:pt>
                 <c:pt idx="8">
-                  <c:v>40.0</c:v>
+                  <c:v>40</c:v>
                 </c:pt>
                 <c:pt idx="9">
-                  <c:v>45.0</c:v>
+                  <c:v>45</c:v>
                 </c:pt>
                 <c:pt idx="10">
-                  <c:v>50.0</c:v>
+                  <c:v>50</c:v>
                 </c:pt>
                 <c:pt idx="11">
-                  <c:v>55.0</c:v>
+                  <c:v>55</c:v>
                 </c:pt>
                 <c:pt idx="12">
-                  <c:v>60.0</c:v>
+                  <c:v>60</c:v>
                 </c:pt>
                 <c:pt idx="13">
-                  <c:v>65.0</c:v>
+                  <c:v>65</c:v>
                 </c:pt>
                 <c:pt idx="14">
-                  <c:v>70.0</c:v>
+                  <c:v>70</c:v>
                 </c:pt>
                 <c:pt idx="15">
-                  <c:v>75.0</c:v>
+                  <c:v>75</c:v>
                 </c:pt>
                 <c:pt idx="16">
-                  <c:v>80.0</c:v>
+                  <c:v>80</c:v>
                 </c:pt>
                 <c:pt idx="17">
-                  <c:v>85.0</c:v>
+                  <c:v>85</c:v>
                 </c:pt>
                 <c:pt idx="18">
-                  <c:v>90.0</c:v>
+                  <c:v>90</c:v>
                 </c:pt>
                 <c:pt idx="19">
-                  <c:v>95.0</c:v>
+                  <c:v>95</c:v>
                 </c:pt>
                 <c:pt idx="20">
-                  <c:v>100.0</c:v>
+                  <c:v>100</c:v>
                 </c:pt>
               </c:numCache>
             </c:numRef>
@@ -246,72 +234,71 @@
                 <c:formatCode>General</c:formatCode>
                 <c:ptCount val="21"/>
                 <c:pt idx="0">
-                  <c:v>80.19210002563975</c:v>
+                  <c:v>80.192100025639746</c:v>
                 </c:pt>
                 <c:pt idx="1">
-                  <c:v>85.11285232942964</c:v>
+                  <c:v>85.112852329429614</c:v>
                 </c:pt>
                 <c:pt idx="2">
-                  <c:v>84.91545814691288</c:v>
+                  <c:v>84.915458146912883</c:v>
                 </c:pt>
                 <c:pt idx="3">
-                  <c:v>88.54140493220702</c:v>
+                  <c:v>88.54140493220703</c:v>
                 </c:pt>
                 <c:pt idx="4">
-                  <c:v>89.27475590272564</c:v>
+                  <c:v>89.27475590272563</c:v>
                 </c:pt>
                 <c:pt idx="5">
-                  <c:v>89.81423933100563</c:v>
+                  <c:v>89.814239331005638</c:v>
                 </c:pt>
                 <c:pt idx="6">
-                  <c:v>92.13702556556577</c:v>
+                  <c:v>92.137025565565779</c:v>
                 </c:pt>
                 <c:pt idx="7">
-                  <c:v>92.92244994103246</c:v>
+                  <c:v>92.922449941032468</c:v>
                 </c:pt>
                 <c:pt idx="8">
-                  <c:v>94.18008929555457</c:v>
+                  <c:v>94.180089295554552</c:v>
                 </c:pt>
                 <c:pt idx="9">
-                  <c:v>95.457617229929</c:v>
+                  <c:v>95.457617229929014</c:v>
                 </c:pt>
                 <c:pt idx="10">
-                  <c:v>95.51548354894366</c:v>
+                  <c:v>95.515483548943664</c:v>
                 </c:pt>
                 <c:pt idx="11">
-                  <c:v>97.22333007274106</c:v>
+                  <c:v>97.223330072741035</c:v>
                 </c:pt>
                 <c:pt idx="12">
-                  <c:v>97.6346790433192</c:v>
+                  <c:v>97.63467904331921</c:v>
                 </c:pt>
                 <c:pt idx="13">
-                  <c:v>98.20510272849836</c:v>
+                  <c:v>98.205102728498346</c:v>
                 </c:pt>
                 <c:pt idx="14">
-                  <c:v>98.93786531251371</c:v>
+                  <c:v>98.937865312513708</c:v>
                 </c:pt>
                 <c:pt idx="15">
-                  <c:v>99.31417556488821</c:v>
+                  <c:v>99.314175564888217</c:v>
                 </c:pt>
                 <c:pt idx="16">
-                  <c:v>99.65650090984233</c:v>
+                  <c:v>99.656500909842336</c:v>
                 </c:pt>
                 <c:pt idx="17">
-                  <c:v>91.01109929063072</c:v>
+                  <c:v>91.011099290630725</c:v>
                 </c:pt>
                 <c:pt idx="18">
                   <c:v>71.3424935476028</c:v>
                 </c:pt>
                 <c:pt idx="19">
-                  <c:v>71.19979473850643</c:v>
+                  <c:v>71.199794738506412</c:v>
                 </c:pt>
                 <c:pt idx="20">
-                  <c:v>70.64574966767663</c:v>
+                  <c:v>70.645749667676625</c:v>
                 </c:pt>
               </c:numCache>
             </c:numRef>
           </c:val>
-          <c:smooth val="0"/>
         </c:ser>
         <c:ser>
           <c:idx val="0"/>
@@ -329,67 +316,67 @@
                 <c:formatCode>General</c:formatCode>
                 <c:ptCount val="21"/>
                 <c:pt idx="0">
-                  <c:v>0.0</c:v>
+                  <c:v>0</c:v>
                 </c:pt>
                 <c:pt idx="1">
-                  <c:v>5.0</c:v>
+                  <c:v>5</c:v>
                 </c:pt>
                 <c:pt idx="2">
-                  <c:v>10.0</c:v>
+                  <c:v>10</c:v>
                 </c:pt>
                 <c:pt idx="3">
-                  <c:v>15.0</c:v>
+                  <c:v>15</c:v>
                 </c:pt>
                 <c:pt idx="4">
-                  <c:v>20.0</c:v>
+                  <c:v>20</c:v>
                 </c:pt>
                 <c:pt idx="5">
-                  <c:v>25.0</c:v>
+                  <c:v>25</c:v>
                 </c:pt>
                 <c:pt idx="6">
-                  <c:v>30.0</c:v>
+                  <c:v>30</c:v>
                 </c:pt>
                 <c:pt idx="7">
-                  <c:v>35.0</c:v>
+                  <c:v>35</c:v>
                 </c:pt>
                 <c:pt idx="8">
-                  <c:v>40.0</c:v>
+                  <c:v>40</c:v>
                 </c:pt>
                 <c:pt idx="9">
-                  <c:v>45.0</c:v>
+                  <c:v>45</c:v>
                 </c:pt>
                 <c:pt idx="10">
-                  <c:v>50.0</c:v>
+                  <c:v>50</c:v>
                 </c:pt>
                 <c:pt idx="11">
-                  <c:v>55.0</c:v>
+                  <c:v>55</c:v>
                 </c:pt>
                 <c:pt idx="12">
-                  <c:v>60.0</c:v>
+                  <c:v>60</c:v>
                 </c:pt>
                 <c:pt idx="13">
-                  <c:v>65.0</c:v>
+                  <c:v>65</c:v>
                 </c:pt>
                 <c:pt idx="14">
-                  <c:v>70.0</c:v>
+                  <c:v>70</c:v>
                 </c:pt>
                 <c:pt idx="15">
-                  <c:v>75.0</c:v>
+                  <c:v>75</c:v>
                 </c:pt>
                 <c:pt idx="16">
-                  <c:v>80.0</c:v>
+                  <c:v>80</c:v>
                 </c:pt>
                 <c:pt idx="17">
-                  <c:v>85.0</c:v>
+                  <c:v>85</c:v>
                 </c:pt>
                 <c:pt idx="18">
-                  <c:v>90.0</c:v>
+                  <c:v>90</c:v>
                 </c:pt>
                 <c:pt idx="19">
-                  <c:v>95.0</c:v>
+                  <c:v>95</c:v>
                 </c:pt>
                 <c:pt idx="20">
-                  <c:v>100.0</c:v>
+                  <c:v>100</c:v>
                 </c:pt>
               </c:numCache>
             </c:numRef>
@@ -401,92 +388,82 @@
                 <c:formatCode>General</c:formatCode>
                 <c:ptCount val="21"/>
                 <c:pt idx="0">
-                  <c:v>0.23550724637681</c:v>
+                  <c:v>0.23550724637681003</c:v>
                 </c:pt>
                 <c:pt idx="1">
-                  <c:v>0.0</c:v>
+                  <c:v>0</c:v>
                 </c:pt>
                 <c:pt idx="2">
-                  <c:v>0.0</c:v>
+                  <c:v>0</c:v>
                 </c:pt>
                 <c:pt idx="3">
-                  <c:v>0.0</c:v>
+                  <c:v>0</c:v>
                 </c:pt>
                 <c:pt idx="4">
-                  <c:v>0.0</c:v>
+                  <c:v>0</c:v>
                 </c:pt>
                 <c:pt idx="5">
-                  <c:v>0.0</c:v>
+                  <c:v>0</c:v>
                 </c:pt>
                 <c:pt idx="6">
-                  <c:v>0.0</c:v>
+                  <c:v>0</c:v>
                 </c:pt>
                 <c:pt idx="7">
-                  <c:v>0.0</c:v>
+                  <c:v>0</c:v>
                 </c:pt>
                 <c:pt idx="8">
-                  <c:v>0.0</c:v>
+                  <c:v>0</c:v>
                 </c:pt>
                 <c:pt idx="9">
-                  <c:v>0.0</c:v>
+                  <c:v>0</c:v>
                 </c:pt>
                 <c:pt idx="10">
-                  <c:v>0.0</c:v>
+                  <c:v>0</c:v>
                 </c:pt>
                 <c:pt idx="11">
-                  <c:v>0.0</c:v>
+                  <c:v>0</c:v>
                 </c:pt>
                 <c:pt idx="12">
-                  <c:v>0.0</c:v>
+                  <c:v>0</c:v>
                 </c:pt>
                 <c:pt idx="13">
-                  <c:v>0.0</c:v>
+                  <c:v>0</c:v>
                 </c:pt>
                 <c:pt idx="14">
-                  <c:v>0.0</c:v>
+                  <c:v>0</c:v>
                 </c:pt>
                 <c:pt idx="15">
-                  <c:v>0.0</c:v>
+                  <c:v>0</c:v>
                 </c:pt>
                 <c:pt idx="16">
-                  <c:v>0.0</c:v>
+                  <c:v>0</c:v>
                 </c:pt>
                 <c:pt idx="17">
-                  <c:v>19.76545714880294</c:v>
+                  <c:v>19.765457148802938</c:v>
                 </c:pt>
                 <c:pt idx="18">
-                  <c:v>52.8636614250255</c:v>
+                  <c:v>52.863661425025491</c:v>
                 </c:pt>
                 <c:pt idx="19">
                   <c:v>52.75382843542117</c:v>
                 </c:pt>
                 <c:pt idx="20">
-                  <c:v>53.7688644734769</c:v>
+                  <c:v>53.768864473476896</c:v>
                 </c:pt>
               </c:numCache>
             </c:numRef>
           </c:val>
-          <c:smooth val="0"/>
         </c:ser>
-        <c:dLbls>
-          <c:showLegendKey val="0"/>
-          <c:showVal val="0"/>
-          <c:showCatName val="0"/>
-          <c:showSerName val="0"/>
-          <c:showPercent val="0"/>
-          <c:showBubbleSize val="0"/>
-        </c:dLbls>
+        <c:dLbls/>
         <c:marker val="1"/>
-        <c:smooth val="0"/>
-        <c:axId val="2112966664"/>
-        <c:axId val="2110288520"/>
+        <c:axId val="105504128"/>
+        <c:axId val="105678336"/>
       </c:lineChart>
       <c:catAx>
-        <c:axId val="2112966664"/>
+        <c:axId val="105504128"/>
         <c:scaling>
           <c:orientation val="minMax"/>
         </c:scaling>
-        <c:delete val="0"/>
         <c:axPos val="b"/>
         <c:title>
           <c:tx>
@@ -509,26 +486,21 @@
             </c:rich>
           </c:tx>
           <c:layout/>
-          <c:overlay val="0"/>
         </c:title>
         <c:numFmt formatCode="General" sourceLinked="1"/>
-        <c:majorTickMark val="out"/>
-        <c:minorTickMark val="none"/>
         <c:tickLblPos val="nextTo"/>
-        <c:crossAx val="2110288520"/>
+        <c:crossAx val="105678336"/>
         <c:crosses val="autoZero"/>
         <c:auto val="1"/>
         <c:lblAlgn val="ctr"/>
         <c:lblOffset val="100"/>
-        <c:noMultiLvlLbl val="0"/>
       </c:catAx>
       <c:valAx>
-        <c:axId val="2110288520"/>
+        <c:axId val="105678336"/>
         <c:scaling>
           <c:orientation val="minMax"/>
-          <c:max val="100.0"/>
+          <c:max val="100"/>
         </c:scaling>
-        <c:delete val="0"/>
         <c:axPos val="l"/>
         <c:majorGridlines/>
         <c:title>
@@ -548,13 +520,10 @@
             </c:rich>
           </c:tx>
           <c:layout/>
-          <c:overlay val="0"/>
         </c:title>
         <c:numFmt formatCode="General" sourceLinked="1"/>
-        <c:majorTickMark val="out"/>
-        <c:minorTickMark val="none"/>
         <c:tickLblPos val="nextTo"/>
-        <c:crossAx val="2112966664"/>
+        <c:crossAx val="105504128"/>
         <c:crosses val="autoZero"/>
         <c:crossBetween val="between"/>
       </c:valAx>
@@ -562,42 +531,26 @@
     <c:legend>
       <c:legendPos val="r"/>
       <c:layout/>
-      <c:overlay val="0"/>
     </c:legend>
     <c:plotVisOnly val="1"/>
     <c:dispBlanksAs val="gap"/>
-    <c:showDLblsOverMax val="0"/>
   </c:chart>
-  <c:externalData r:id="rId1">
-    <c:autoUpdate val="0"/>
-  </c:externalData>
+  <c:externalData r:id="rId1"/>
 </c:chartSpace>
 </file>
 
 <file path=ppt/charts/chart2.xml><?xml version="1.0" encoding="utf-8"?>
 <c:chartSpace xmlns:c="http://schemas.openxmlformats.org/drawingml/2006/chart" xmlns:a="http://schemas.openxmlformats.org/drawingml/2006/main" xmlns:r="http://schemas.openxmlformats.org/officeDocument/2006/relationships">
-  <c:date1904 val="0"/>
   <c:lang val="en-US"/>
-  <c:roundedCorners val="0"/>
-  <mc:AlternateContent xmlns:mc="http://schemas.openxmlformats.org/markup-compatibility/2006">
-    <mc:Choice xmlns:c14="http://schemas.microsoft.com/office/drawing/2007/8/2/chart" Requires="c14">
-      <c14:style val="118"/>
-    </mc:Choice>
-    <mc:Fallback>
-      <c:style val="18"/>
-    </mc:Fallback>
-  </mc:AlternateContent>
+  <c:style val="18"/>
   <c:chart>
     <c:title>
       <c:layout/>
-      <c:overlay val="0"/>
     </c:title>
-    <c:autoTitleDeleted val="0"/>
     <c:plotArea>
       <c:layout/>
       <c:lineChart>
         <c:grouping val="standard"/>
-        <c:varyColors val="0"/>
         <c:ser>
           <c:idx val="0"/>
           <c:order val="0"/>
@@ -614,67 +567,67 @@
                 <c:formatCode>General</c:formatCode>
                 <c:ptCount val="21"/>
                 <c:pt idx="0">
-                  <c:v>0.0</c:v>
+                  <c:v>0</c:v>
                 </c:pt>
                 <c:pt idx="1">
-                  <c:v>5.0</c:v>
+                  <c:v>5</c:v>
                 </c:pt>
                 <c:pt idx="2">
-                  <c:v>10.0</c:v>
+                  <c:v>10</c:v>
                 </c:pt>
                 <c:pt idx="3">
-                  <c:v>15.0</c:v>
+                  <c:v>15</c:v>
                 </c:pt>
                 <c:pt idx="4">
-                  <c:v>20.0</c:v>
+                  <c:v>20</c:v>
                 </c:pt>
                 <c:pt idx="5">
-                  <c:v>25.0</c:v>
+                  <c:v>25</c:v>
                 </c:pt>
                 <c:pt idx="6">
-                  <c:v>30.0</c:v>
+                  <c:v>30</c:v>
                 </c:pt>
                 <c:pt idx="7">
-                  <c:v>35.0</c:v>
+                  <c:v>35</c:v>
                 </c:pt>
                 <c:pt idx="8">
-                  <c:v>40.0</c:v>
+                  <c:v>40</c:v>
                 </c:pt>
                 <c:pt idx="9">
-                  <c:v>45.0</c:v>
+                  <c:v>45</c:v>
                 </c:pt>
                 <c:pt idx="10">
-                  <c:v>50.0</c:v>
+                  <c:v>50</c:v>
                 </c:pt>
                 <c:pt idx="11">
-                  <c:v>55.0</c:v>
+                  <c:v>55</c:v>
                 </c:pt>
                 <c:pt idx="12">
-                  <c:v>60.0</c:v>
+                  <c:v>60</c:v>
                 </c:pt>
                 <c:pt idx="13">
-                  <c:v>65.0</c:v>
+                  <c:v>65</c:v>
                 </c:pt>
                 <c:pt idx="14">
-                  <c:v>70.0</c:v>
+                  <c:v>70</c:v>
                 </c:pt>
                 <c:pt idx="15">
-                  <c:v>75.0</c:v>
+                  <c:v>75</c:v>
                 </c:pt>
                 <c:pt idx="16">
-                  <c:v>80.0</c:v>
+                  <c:v>80</c:v>
                 </c:pt>
                 <c:pt idx="17">
-                  <c:v>85.0</c:v>
+                  <c:v>85</c:v>
                 </c:pt>
                 <c:pt idx="18">
-                  <c:v>90.0</c:v>
+                  <c:v>90</c:v>
                 </c:pt>
                 <c:pt idx="19">
-                  <c:v>95.0</c:v>
+                  <c:v>95</c:v>
                 </c:pt>
                 <c:pt idx="20">
-                  <c:v>100.0</c:v>
+                  <c:v>100</c:v>
                 </c:pt>
               </c:numCache>
             </c:numRef>
@@ -698,7 +651,7 @@
                   <c:v>68.8</c:v>
                 </c:pt>
                 <c:pt idx="4">
-                  <c:v>80.4</c:v>
+                  <c:v>80.400000000000006</c:v>
                 </c:pt>
                 <c:pt idx="5">
                   <c:v>59.4</c:v>
@@ -710,10 +663,10 @@
                   <c:v>66.2</c:v>
                 </c:pt>
                 <c:pt idx="8">
-                  <c:v>63.0</c:v>
+                  <c:v>63</c:v>
                 </c:pt>
                 <c:pt idx="9">
-                  <c:v>73.0</c:v>
+                  <c:v>73</c:v>
                 </c:pt>
                 <c:pt idx="10">
                   <c:v>68.2</c:v>
@@ -722,10 +675,10 @@
                   <c:v>85.4</c:v>
                 </c:pt>
                 <c:pt idx="12">
-                  <c:v>65.0</c:v>
+                  <c:v>65</c:v>
                 </c:pt>
                 <c:pt idx="13">
-                  <c:v>72.6</c:v>
+                  <c:v>72.599999999999994</c:v>
                 </c:pt>
                 <c:pt idx="14">
                   <c:v>105.6</c:v>
@@ -734,44 +687,34 @@
                   <c:v>105.2</c:v>
                 </c:pt>
                 <c:pt idx="16">
-                  <c:v>134.8</c:v>
+                  <c:v>134.80000000000001</c:v>
                 </c:pt>
                 <c:pt idx="17">
-                  <c:v>1000.0</c:v>
+                  <c:v>1000</c:v>
                 </c:pt>
                 <c:pt idx="18">
-                  <c:v>1000.0</c:v>
+                  <c:v>1000</c:v>
                 </c:pt>
                 <c:pt idx="19">
-                  <c:v>1000.0</c:v>
+                  <c:v>1000</c:v>
                 </c:pt>
                 <c:pt idx="20">
-                  <c:v>1000.0</c:v>
+                  <c:v>1000</c:v>
                 </c:pt>
               </c:numCache>
             </c:numRef>
           </c:val>
-          <c:smooth val="0"/>
         </c:ser>
-        <c:dLbls>
-          <c:showLegendKey val="0"/>
-          <c:showVal val="0"/>
-          <c:showCatName val="0"/>
-          <c:showSerName val="0"/>
-          <c:showPercent val="0"/>
-          <c:showBubbleSize val="0"/>
-        </c:dLbls>
+        <c:dLbls/>
         <c:marker val="1"/>
-        <c:smooth val="0"/>
-        <c:axId val="2066672088"/>
-        <c:axId val="2066654872"/>
+        <c:axId val="105698816"/>
+        <c:axId val="105700736"/>
       </c:lineChart>
       <c:catAx>
-        <c:axId val="2066672088"/>
+        <c:axId val="105698816"/>
         <c:scaling>
           <c:orientation val="minMax"/>
         </c:scaling>
-        <c:delete val="0"/>
         <c:axPos val="b"/>
         <c:title>
           <c:tx>
@@ -795,25 +738,20 @@
             </c:rich>
           </c:tx>
           <c:layout/>
-          <c:overlay val="0"/>
         </c:title>
         <c:numFmt formatCode="General" sourceLinked="1"/>
-        <c:majorTickMark val="out"/>
-        <c:minorTickMark val="none"/>
         <c:tickLblPos val="nextTo"/>
-        <c:crossAx val="2066654872"/>
+        <c:crossAx val="105700736"/>
         <c:crosses val="autoZero"/>
         <c:auto val="1"/>
         <c:lblAlgn val="ctr"/>
         <c:lblOffset val="100"/>
-        <c:noMultiLvlLbl val="0"/>
       </c:catAx>
       <c:valAx>
-        <c:axId val="2066654872"/>
+        <c:axId val="105700736"/>
         <c:scaling>
           <c:orientation val="minMax"/>
         </c:scaling>
-        <c:delete val="0"/>
         <c:axPos val="l"/>
         <c:majorGridlines/>
         <c:title>
@@ -833,13 +771,10 @@
             </c:rich>
           </c:tx>
           <c:layout/>
-          <c:overlay val="0"/>
         </c:title>
         <c:numFmt formatCode="General" sourceLinked="1"/>
-        <c:majorTickMark val="out"/>
-        <c:minorTickMark val="none"/>
         <c:tickLblPos val="nextTo"/>
-        <c:crossAx val="2066672088"/>
+        <c:crossAx val="105698816"/>
         <c:crosses val="autoZero"/>
         <c:crossBetween val="between"/>
       </c:valAx>
@@ -847,15 +782,11 @@
     <c:legend>
       <c:legendPos val="r"/>
       <c:layout/>
-      <c:overlay val="0"/>
     </c:legend>
     <c:plotVisOnly val="1"/>
     <c:dispBlanksAs val="gap"/>
-    <c:showDLblsOverMax val="0"/>
   </c:chart>
-  <c:externalData r:id="rId1">
-    <c:autoUpdate val="0"/>
-  </c:externalData>
+  <c:externalData r:id="rId1"/>
 </c:chartSpace>
 </file>
 
@@ -1295,7 +1226,8 @@
           <a:p>
             <a:fld id="{7D290233-0DD1-4A80-BB1E-9ADC3556DBB6}" type="datetimeFigureOut">
               <a:rPr lang="en-US" smtClean="0"/>
-              <a:t>9/27/15</a:t>
+              <a:pPr/>
+              <a:t>9/27/2015</a:t>
             </a:fld>
             <a:endParaRPr lang="en-US"/>
           </a:p>
@@ -1347,6 +1279,7 @@
           <a:p>
             <a:fld id="{CFE4BAC9-6D41-4691-9299-18EF07EF0177}" type="slidenum">
               <a:rPr lang="en-US" smtClean="0"/>
+              <a:pPr/>
               <a:t>‹#›</a:t>
             </a:fld>
             <a:endParaRPr lang="en-US"/>
@@ -1906,7 +1839,8 @@
           <a:p>
             <a:fld id="{7D290233-0DD1-4A80-BB1E-9ADC3556DBB6}" type="datetimeFigureOut">
               <a:rPr lang="en-US" smtClean="0"/>
-              <a:t>9/27/15</a:t>
+              <a:pPr/>
+              <a:t>9/27/2015</a:t>
             </a:fld>
             <a:endParaRPr lang="en-US"/>
           </a:p>
@@ -1948,6 +1882,7 @@
           <a:p>
             <a:fld id="{CFE4BAC9-6D41-4691-9299-18EF07EF0177}" type="slidenum">
               <a:rPr lang="en-US" smtClean="0"/>
+              <a:pPr/>
               <a:t>‹#›</a:t>
             </a:fld>
             <a:endParaRPr lang="en-US"/>
@@ -2478,7 +2413,8 @@
           <a:p>
             <a:fld id="{7D290233-0DD1-4A80-BB1E-9ADC3556DBB6}" type="datetimeFigureOut">
               <a:rPr lang="en-US" smtClean="0"/>
-              <a:t>9/27/15</a:t>
+              <a:pPr/>
+              <a:t>9/27/2015</a:t>
             </a:fld>
             <a:endParaRPr lang="en-US"/>
           </a:p>
@@ -2520,6 +2456,7 @@
           <a:p>
             <a:fld id="{CFE4BAC9-6D41-4691-9299-18EF07EF0177}" type="slidenum">
               <a:rPr lang="en-US" smtClean="0"/>
+              <a:pPr/>
               <a:t>‹#›</a:t>
             </a:fld>
             <a:endParaRPr lang="en-US"/>
@@ -3012,7 +2949,8 @@
           <a:p>
             <a:fld id="{7D290233-0DD1-4A80-BB1E-9ADC3556DBB6}" type="datetimeFigureOut">
               <a:rPr lang="en-US" smtClean="0"/>
-              <a:t>9/27/15</a:t>
+              <a:pPr/>
+              <a:t>9/27/2015</a:t>
             </a:fld>
             <a:endParaRPr lang="en-US"/>
           </a:p>
@@ -3054,6 +2992,7 @@
           <a:p>
             <a:fld id="{CFE4BAC9-6D41-4691-9299-18EF07EF0177}" type="slidenum">
               <a:rPr lang="en-US" smtClean="0"/>
+              <a:pPr/>
               <a:t>‹#›</a:t>
             </a:fld>
             <a:endParaRPr lang="en-US"/>
@@ -3414,7 +3353,8 @@
           <a:p>
             <a:fld id="{7D290233-0DD1-4A80-BB1E-9ADC3556DBB6}" type="datetimeFigureOut">
               <a:rPr lang="en-US" smtClean="0"/>
-              <a:t>9/27/15</a:t>
+              <a:pPr/>
+              <a:t>9/27/2015</a:t>
             </a:fld>
             <a:endParaRPr lang="en-US"/>
           </a:p>
@@ -3456,6 +3396,7 @@
           <a:p>
             <a:fld id="{CFE4BAC9-6D41-4691-9299-18EF07EF0177}" type="slidenum">
               <a:rPr lang="en-US" smtClean="0"/>
+              <a:pPr/>
               <a:t>‹#›</a:t>
             </a:fld>
             <a:endParaRPr lang="en-US"/>
@@ -3847,7 +3788,8 @@
           <a:p>
             <a:fld id="{7D290233-0DD1-4A80-BB1E-9ADC3556DBB6}" type="datetimeFigureOut">
               <a:rPr lang="en-US" smtClean="0"/>
-              <a:t>9/27/15</a:t>
+              <a:pPr/>
+              <a:t>9/27/2015</a:t>
             </a:fld>
             <a:endParaRPr lang="en-US"/>
           </a:p>
@@ -3889,6 +3831,7 @@
           <a:p>
             <a:fld id="{CFE4BAC9-6D41-4691-9299-18EF07EF0177}" type="slidenum">
               <a:rPr lang="en-US" smtClean="0"/>
+              <a:pPr/>
               <a:t>‹#›</a:t>
             </a:fld>
             <a:endParaRPr lang="en-US"/>
@@ -4249,7 +4192,8 @@
           <a:p>
             <a:fld id="{7D290233-0DD1-4A80-BB1E-9ADC3556DBB6}" type="datetimeFigureOut">
               <a:rPr lang="en-US" smtClean="0"/>
-              <a:t>9/27/15</a:t>
+              <a:pPr/>
+              <a:t>9/27/2015</a:t>
             </a:fld>
             <a:endParaRPr lang="en-US"/>
           </a:p>
@@ -4291,6 +4235,7 @@
           <a:p>
             <a:fld id="{CFE4BAC9-6D41-4691-9299-18EF07EF0177}" type="slidenum">
               <a:rPr lang="en-US" smtClean="0"/>
+              <a:pPr/>
               <a:t>‹#›</a:t>
             </a:fld>
             <a:endParaRPr lang="en-US"/>
@@ -4723,7 +4668,8 @@
           <a:p>
             <a:fld id="{7D290233-0DD1-4A80-BB1E-9ADC3556DBB6}" type="datetimeFigureOut">
               <a:rPr lang="en-US" smtClean="0"/>
-              <a:t>9/27/15</a:t>
+              <a:pPr/>
+              <a:t>9/27/2015</a:t>
             </a:fld>
             <a:endParaRPr lang="en-US"/>
           </a:p>
@@ -5173,7 +5119,8 @@
           <a:p>
             <a:fld id="{7D290233-0DD1-4A80-BB1E-9ADC3556DBB6}" type="datetimeFigureOut">
               <a:rPr lang="en-US" smtClean="0"/>
-              <a:t>9/27/15</a:t>
+              <a:pPr/>
+              <a:t>9/27/2015</a:t>
             </a:fld>
             <a:endParaRPr lang="en-US"/>
           </a:p>
@@ -5215,6 +5162,7 @@
           <a:p>
             <a:fld id="{CFE4BAC9-6D41-4691-9299-18EF07EF0177}" type="slidenum">
               <a:rPr lang="en-US" smtClean="0"/>
+              <a:pPr/>
               <a:t>‹#›</a:t>
             </a:fld>
             <a:endParaRPr lang="en-US"/>
@@ -5693,7 +5641,8 @@
           <a:p>
             <a:fld id="{7D290233-0DD1-4A80-BB1E-9ADC3556DBB6}" type="datetimeFigureOut">
               <a:rPr lang="en-US" smtClean="0"/>
-              <a:t>9/27/15</a:t>
+              <a:pPr/>
+              <a:t>9/27/2015</a:t>
             </a:fld>
             <a:endParaRPr lang="en-US"/>
           </a:p>
@@ -5735,6 +5684,7 @@
           <a:p>
             <a:fld id="{CFE4BAC9-6D41-4691-9299-18EF07EF0177}" type="slidenum">
               <a:rPr lang="en-US" smtClean="0"/>
+              <a:pPr/>
               <a:t>‹#›</a:t>
             </a:fld>
             <a:endParaRPr lang="en-US"/>
@@ -6413,7 +6363,8 @@
           <a:p>
             <a:fld id="{7D290233-0DD1-4A80-BB1E-9ADC3556DBB6}" type="datetimeFigureOut">
               <a:rPr lang="en-US" smtClean="0"/>
-              <a:t>9/27/15</a:t>
+              <a:pPr/>
+              <a:t>9/27/2015</a:t>
             </a:fld>
             <a:endParaRPr lang="en-US"/>
           </a:p>
@@ -6455,6 +6406,7 @@
           <a:p>
             <a:fld id="{CFE4BAC9-6D41-4691-9299-18EF07EF0177}" type="slidenum">
               <a:rPr lang="en-US" smtClean="0"/>
+              <a:pPr/>
               <a:t>‹#›</a:t>
             </a:fld>
             <a:endParaRPr lang="en-US"/>
@@ -6759,7 +6711,8 @@
           <a:p>
             <a:fld id="{7D290233-0DD1-4A80-BB1E-9ADC3556DBB6}" type="datetimeFigureOut">
               <a:rPr lang="en-US" smtClean="0"/>
-              <a:t>9/27/15</a:t>
+              <a:pPr/>
+              <a:t>9/27/2015</a:t>
             </a:fld>
             <a:endParaRPr lang="en-US"/>
           </a:p>
@@ -6801,6 +6754,7 @@
           <a:p>
             <a:fld id="{CFE4BAC9-6D41-4691-9299-18EF07EF0177}" type="slidenum">
               <a:rPr lang="en-US" smtClean="0"/>
+              <a:pPr/>
               <a:t>‹#›</a:t>
             </a:fld>
             <a:endParaRPr lang="en-US"/>
@@ -7028,7 +6982,8 @@
           <a:p>
             <a:fld id="{7D290233-0DD1-4A80-BB1E-9ADC3556DBB6}" type="datetimeFigureOut">
               <a:rPr lang="en-US" smtClean="0"/>
-              <a:t>9/27/15</a:t>
+              <a:pPr/>
+              <a:t>9/27/2015</a:t>
             </a:fld>
             <a:endParaRPr lang="en-US"/>
           </a:p>
@@ -7070,6 +7025,7 @@
           <a:p>
             <a:fld id="{CFE4BAC9-6D41-4691-9299-18EF07EF0177}" type="slidenum">
               <a:rPr lang="en-US" smtClean="0"/>
+              <a:pPr/>
               <a:t>‹#›</a:t>
             </a:fld>
             <a:endParaRPr lang="en-US"/>
@@ -7585,7 +7541,8 @@
           <a:p>
             <a:fld id="{7D290233-0DD1-4A80-BB1E-9ADC3556DBB6}" type="datetimeFigureOut">
               <a:rPr lang="en-US" smtClean="0"/>
-              <a:t>9/27/15</a:t>
+              <a:pPr/>
+              <a:t>9/27/2015</a:t>
             </a:fld>
             <a:endParaRPr lang="en-US"/>
           </a:p>
@@ -7627,6 +7584,7 @@
           <a:p>
             <a:fld id="{CFE4BAC9-6D41-4691-9299-18EF07EF0177}" type="slidenum">
               <a:rPr lang="en-US" smtClean="0"/>
+              <a:pPr/>
               <a:t>‹#›</a:t>
             </a:fld>
             <a:endParaRPr lang="en-US"/>
@@ -7795,7 +7753,8 @@
           <a:p>
             <a:fld id="{7D290233-0DD1-4A80-BB1E-9ADC3556DBB6}" type="datetimeFigureOut">
               <a:rPr lang="en-US" smtClean="0"/>
-              <a:t>9/27/15</a:t>
+              <a:pPr/>
+              <a:t>9/27/2015</a:t>
             </a:fld>
             <a:endParaRPr lang="en-US"/>
           </a:p>
@@ -7881,6 +7840,7 @@
           <a:p>
             <a:fld id="{CFE4BAC9-6D41-4691-9299-18EF07EF0177}" type="slidenum">
               <a:rPr lang="en-US" smtClean="0"/>
+              <a:pPr/>
               <a:t>‹#›</a:t>
             </a:fld>
             <a:endParaRPr lang="en-US"/>
@@ -8346,7 +8306,7 @@
     </p:spTree>
     <p:extLst>
       <p:ext uri="{BB962C8B-B14F-4D97-AF65-F5344CB8AC3E}">
-        <p14:creationId xmlns:p14="http://schemas.microsoft.com/office/powerpoint/2010/main" val="1880065562"/>
+        <p14:creationId xmlns:p14="http://schemas.microsoft.com/office/powerpoint/2010/main" xmlns="" val="1880065562"/>
       </p:ext>
     </p:extLst>
   </p:cSld>
@@ -8416,7 +8376,7 @@
         </p:spPr>
         <p:txBody>
           <a:bodyPr>
-            <a:normAutofit fontScale="92500" lnSpcReduction="10000"/>
+            <a:normAutofit fontScale="77500" lnSpcReduction="20000"/>
           </a:bodyPr>
           <a:lstStyle/>
           <a:p>
@@ -8438,7 +8398,23 @@
             </a:pPr>
             <a:r>
               <a:rPr lang="en-US" dirty="0" smtClean="0"/>
-              <a:t>How do different age groups with different tolerances affect the level of segregation within a community.</a:t>
+              <a:t>How do </a:t>
+            </a:r>
+            <a:r>
+              <a:rPr lang="en-US" dirty="0" smtClean="0"/>
+              <a:t>different </a:t>
+            </a:r>
+            <a:r>
+              <a:rPr lang="en-US" dirty="0" smtClean="0"/>
+              <a:t>age groups </a:t>
+            </a:r>
+            <a:r>
+              <a:rPr lang="en-US" dirty="0" smtClean="0"/>
+              <a:t>(young and old) with </a:t>
+            </a:r>
+            <a:r>
+              <a:rPr lang="en-US" dirty="0" smtClean="0"/>
+              <a:t>different tolerances affect the level of segregation within a community.</a:t>
             </a:r>
             <a:endParaRPr lang="en-US" dirty="0"/>
           </a:p>
@@ -8456,26 +8432,30 @@
             </a:r>
           </a:p>
           <a:p>
-            <a:pPr marL="0" indent="0">
-              <a:buNone/>
-            </a:pPr>
-            <a:r>
-              <a:rPr lang="en-US" dirty="0"/>
-              <a:t>Having a subset of each type of agent with lower tolerances will assist higher tolerance agents to be </a:t>
-            </a:r>
+            <a:pPr marL="0" indent="0"/>
             <a:r>
               <a:rPr lang="en-US" dirty="0" smtClean="0"/>
-              <a:t>happier</a:t>
-            </a:r>
-            <a:r>
-              <a:rPr lang="en-US" dirty="0"/>
+              <a:t> More integration </a:t>
+            </a:r>
+          </a:p>
+          <a:p>
+            <a:pPr marL="0" indent="0"/>
+            <a:r>
+              <a:rPr lang="en-US" dirty="0" smtClean="0"/>
+              <a:t> Expect younger more on the edges of clusters</a:t>
+            </a:r>
+          </a:p>
+          <a:p>
+            <a:pPr marL="0" indent="0"/>
+            <a:r>
+              <a:rPr lang="en-US" dirty="0" smtClean="0"/>
               <a:t> </a:t>
             </a:r>
             <a:r>
               <a:rPr lang="en-US" dirty="0" smtClean="0"/>
-              <a:t>and form clusters easier.</a:t>
-            </a:r>
-            <a:endParaRPr lang="en-US" dirty="0"/>
+              <a:t>Less ticks to equilibrium</a:t>
+            </a:r>
+            <a:endParaRPr lang="en-US" dirty="0" smtClean="0"/>
           </a:p>
           <a:p>
             <a:pPr marL="0" indent="0">
@@ -8496,15 +8476,28 @@
             </a:pPr>
             <a:r>
               <a:rPr lang="en-US" dirty="0" smtClean="0"/>
-              <a:t>Because the portion of agents with lower tolerances will be more likely to stay in one location this would lead agents with high tolerances to stay as well and form clusters.</a:t>
-            </a:r>
+              <a:t>Having a subset of each type of agent </a:t>
+            </a:r>
+            <a:r>
+              <a:rPr lang="en-US" dirty="0" smtClean="0"/>
+              <a:t>(red green) with </a:t>
+            </a:r>
+            <a:r>
+              <a:rPr lang="en-US" dirty="0" smtClean="0"/>
+              <a:t>lower similarity requirements </a:t>
+            </a:r>
+            <a:r>
+              <a:rPr lang="en-US" dirty="0" smtClean="0"/>
+              <a:t>will allow them to be happy in more integrated neighborhood. </a:t>
+            </a:r>
+            <a:endParaRPr lang="en-US" dirty="0" smtClean="0"/>
           </a:p>
         </p:txBody>
       </p:sp>
     </p:spTree>
     <p:extLst>
       <p:ext uri="{BB962C8B-B14F-4D97-AF65-F5344CB8AC3E}">
-        <p14:creationId xmlns:p14="http://schemas.microsoft.com/office/powerpoint/2010/main" val="4047314403"/>
+        <p14:creationId xmlns:p14="http://schemas.microsoft.com/office/powerpoint/2010/main" xmlns="" val="4047314403"/>
       </p:ext>
     </p:extLst>
   </p:cSld>
@@ -8574,7 +8567,7 @@
         </p:spPr>
         <p:txBody>
           <a:bodyPr>
-            <a:normAutofit lnSpcReduction="10000"/>
+            <a:normAutofit fontScale="55000" lnSpcReduction="20000"/>
           </a:bodyPr>
           <a:lstStyle/>
           <a:p>
@@ -8591,44 +8584,109 @@
             </a:r>
           </a:p>
           <a:p>
-            <a:pPr>
-              <a:buFontTx/>
-              <a:buChar char="-"/>
+            <a:r>
+              <a:rPr lang="en-US" dirty="0" smtClean="0"/>
+              <a:t>Two types of agents:</a:t>
+            </a:r>
+          </a:p>
+          <a:p>
+            <a:pPr lvl="1">
+              <a:buClrTx/>
+              <a:buFont typeface="Wingdings" pitchFamily="2" charset="2"/>
+              <a:buChar char="Ø"/>
             </a:pPr>
             <a:r>
               <a:rPr lang="en-US" dirty="0" smtClean="0"/>
-              <a:t>Each type of agent is divided into two groups:</a:t>
+              <a:t>Red </a:t>
             </a:r>
           </a:p>
           <a:p>
             <a:pPr lvl="1">
-              <a:buFontTx/>
-              <a:buChar char="-"/>
+              <a:buClrTx/>
+              <a:buFont typeface="Wingdings" pitchFamily="2" charset="2"/>
+              <a:buChar char="Ø"/>
             </a:pPr>
             <a:r>
               <a:rPr lang="en-US" dirty="0" smtClean="0"/>
-              <a:t>Old agents – With a higher tolerance for similar neighbors</a:t>
+              <a:t>Green</a:t>
+            </a:r>
+          </a:p>
+          <a:p>
+            <a:r>
+              <a:rPr lang="en-US" dirty="0" smtClean="0"/>
+              <a:t>Each </a:t>
+            </a:r>
+            <a:r>
+              <a:rPr lang="en-US" dirty="0" smtClean="0"/>
+              <a:t>type of agent is divided into two groups:</a:t>
             </a:r>
           </a:p>
           <a:p>
             <a:pPr lvl="1">
-              <a:buFontTx/>
-              <a:buChar char="-"/>
+              <a:buClr>
+                <a:schemeClr val="tx1"/>
+              </a:buClr>
+              <a:buFont typeface="Wingdings" pitchFamily="2" charset="2"/>
+              <a:buChar char="Ø"/>
             </a:pPr>
             <a:r>
               <a:rPr lang="en-US" dirty="0" smtClean="0"/>
-              <a:t>Young agents – With a lower tolerance for similar neighbors</a:t>
-            </a:r>
-          </a:p>
-          <a:p>
-            <a:pPr>
-              <a:buFontTx/>
-              <a:buChar char="-"/>
+              <a:t>Old agents – With a higher </a:t>
+            </a:r>
+            <a:r>
+              <a:rPr lang="en-US" dirty="0" smtClean="0"/>
+              <a:t>requirement </a:t>
+            </a:r>
+            <a:r>
+              <a:rPr lang="en-US" dirty="0" smtClean="0"/>
+              <a:t>for similar neighbors</a:t>
+            </a:r>
+          </a:p>
+          <a:p>
+            <a:pPr lvl="1">
+              <a:buClr>
+                <a:schemeClr val="tx1"/>
+              </a:buClr>
+              <a:buFont typeface="Wingdings" pitchFamily="2" charset="2"/>
+              <a:buChar char="Ø"/>
             </a:pPr>
             <a:r>
               <a:rPr lang="en-US" dirty="0" smtClean="0"/>
-              <a:t>Each group of the same agent will count as a similar neighbor towards their overall happiness level</a:t>
-            </a:r>
+              <a:t>Young agents – With a lower </a:t>
+            </a:r>
+            <a:r>
+              <a:rPr lang="en-US" dirty="0" smtClean="0"/>
+              <a:t>requirement </a:t>
+            </a:r>
+            <a:r>
+              <a:rPr lang="en-US" dirty="0" smtClean="0"/>
+              <a:t>for similar neighbors</a:t>
+            </a:r>
+          </a:p>
+          <a:p>
+            <a:r>
+              <a:rPr lang="en-US" dirty="0" smtClean="0"/>
+              <a:t>Each group of the same </a:t>
+            </a:r>
+            <a:r>
+              <a:rPr lang="en-US" dirty="0" smtClean="0"/>
+              <a:t>type of agent </a:t>
+            </a:r>
+            <a:r>
+              <a:rPr lang="en-US" dirty="0" smtClean="0"/>
+              <a:t>will count as a similar </a:t>
+            </a:r>
+            <a:r>
+              <a:rPr lang="en-US" dirty="0" smtClean="0"/>
+              <a:t>neighbor</a:t>
+            </a:r>
+          </a:p>
+          <a:p>
+            <a:r>
+              <a:rPr lang="en-US" dirty="0" smtClean="0"/>
+              <a:t>Can adjust density, %young, young % similar, old % similar</a:t>
+            </a:r>
+            <a:endParaRPr lang="en-US" dirty="0" smtClean="0"/>
           </a:p>
           <a:p>
             <a:pPr marL="0" indent="0">
@@ -8644,23 +8702,29 @@
             </a:r>
           </a:p>
           <a:p>
-            <a:pPr>
-              <a:buFontTx/>
-              <a:buChar char="-"/>
-            </a:pPr>
             <a:r>
               <a:rPr lang="en-US" dirty="0" smtClean="0"/>
-              <a:t>Percent of similar neighbors of an agent</a:t>
-            </a:r>
-          </a:p>
-          <a:p>
-            <a:pPr>
-              <a:buFontTx/>
-              <a:buChar char="-"/>
-            </a:pPr>
+              <a:t>% </a:t>
+            </a:r>
             <a:r>
               <a:rPr lang="en-US" dirty="0" smtClean="0"/>
-              <a:t>Number of unhappy agents</a:t>
+              <a:t>of similar neighbors of an agent</a:t>
+            </a:r>
+          </a:p>
+          <a:p>
+            <a:r>
+              <a:rPr lang="en-US" dirty="0" smtClean="0"/>
+              <a:t>Number of unhappy </a:t>
+            </a:r>
+            <a:r>
+              <a:rPr lang="en-US" dirty="0" smtClean="0"/>
+              <a:t>agents</a:t>
+            </a:r>
+          </a:p>
+          <a:p>
+            <a:r>
+              <a:rPr lang="en-US" dirty="0" smtClean="0"/>
+              <a:t>Ticks to equilibrium</a:t>
             </a:r>
             <a:endParaRPr lang="en-US" dirty="0"/>
           </a:p>
@@ -8676,7 +8740,7 @@
     </p:spTree>
     <p:extLst>
       <p:ext uri="{BB962C8B-B14F-4D97-AF65-F5344CB8AC3E}">
-        <p14:creationId xmlns:p14="http://schemas.microsoft.com/office/powerpoint/2010/main" val="2890700283"/>
+        <p14:creationId xmlns:p14="http://schemas.microsoft.com/office/powerpoint/2010/main" xmlns="" val="2890700283"/>
       </p:ext>
     </p:extLst>
   </p:cSld>
@@ -8737,7 +8801,7 @@
           <p:nvPr>
             <p:extLst>
               <p:ext uri="{D42A27DB-BD31-4B8C-83A1-F6EECF244321}">
-                <p14:modId xmlns:p14="http://schemas.microsoft.com/office/powerpoint/2010/main" val="3717212227"/>
+                <p14:modId xmlns:p14="http://schemas.microsoft.com/office/powerpoint/2010/main" xmlns="" val="3717212227"/>
               </p:ext>
             </p:extLst>
           </p:nvPr>
@@ -8761,7 +8825,7 @@
           <p:nvPr>
             <p:extLst>
               <p:ext uri="{D42A27DB-BD31-4B8C-83A1-F6EECF244321}">
-                <p14:modId xmlns:p14="http://schemas.microsoft.com/office/powerpoint/2010/main" val="2053670861"/>
+                <p14:modId xmlns:p14="http://schemas.microsoft.com/office/powerpoint/2010/main" xmlns="" val="2053670861"/>
               </p:ext>
             </p:extLst>
           </p:nvPr>
@@ -8784,8 +8848,8 @@
         </p:nvSpPr>
         <p:spPr>
           <a:xfrm>
-            <a:off x="3230482" y="5515143"/>
-            <a:ext cx="2531462" cy="861774"/>
+            <a:off x="3034555" y="5623133"/>
+            <a:ext cx="3144853" cy="707886"/>
           </a:xfrm>
           <a:prstGeom prst="rect">
             <a:avLst/>
@@ -8793,7 +8857,7 @@
           <a:noFill/>
         </p:spPr>
         <p:txBody>
-          <a:bodyPr wrap="none" rtlCol="0">
+          <a:bodyPr wrap="square" rtlCol="0" anchor="ctr">
             <a:spAutoFit/>
           </a:bodyPr>
           <a:lstStyle/>
@@ -8810,17 +8874,15 @@
             </a:pPr>
             <a:r>
               <a:rPr lang="en-US" sz="1000" dirty="0" smtClean="0"/>
-              <a:t>60% Old</a:t>
-            </a:r>
-          </a:p>
-          <a:p>
-            <a:pPr marL="742950" lvl="1" indent="-285750">
-              <a:buFont typeface="Arial"/>
-              <a:buChar char="•"/>
-            </a:pPr>
+              <a:t>60% </a:t>
+            </a:r>
             <a:r>
               <a:rPr lang="en-US" sz="1000" dirty="0" smtClean="0"/>
-              <a:t>% Similar Wanted = 65%</a:t>
+              <a:t>Old, % </a:t>
+            </a:r>
+            <a:r>
+              <a:rPr lang="en-US" sz="1000" dirty="0" smtClean="0"/>
+              <a:t>Similar Wanted = 65%</a:t>
             </a:r>
           </a:p>
           <a:p>
@@ -8830,17 +8892,29 @@
             </a:pPr>
             <a:r>
               <a:rPr lang="en-US" sz="1000" dirty="0" smtClean="0"/>
-              <a:t>40% Young</a:t>
-            </a:r>
-          </a:p>
-          <a:p>
-            <a:pPr marL="742950" lvl="1" indent="-285750">
+              <a:t>40% </a:t>
+            </a:r>
+            <a:r>
+              <a:rPr lang="en-US" sz="1000" dirty="0" smtClean="0"/>
+              <a:t>Young, % </a:t>
+            </a:r>
+            <a:r>
+              <a:rPr lang="en-US" sz="1000" dirty="0" smtClean="0"/>
+              <a:t>Similar Wanted = [0 5 100</a:t>
+            </a:r>
+            <a:r>
+              <a:rPr lang="en-US" sz="1000" dirty="0" smtClean="0"/>
+              <a:t>]</a:t>
+            </a:r>
+          </a:p>
+          <a:p>
+            <a:pPr marL="285750" indent="-285750">
               <a:buFont typeface="Arial"/>
               <a:buChar char="•"/>
             </a:pPr>
             <a:r>
               <a:rPr lang="en-US" sz="1000" dirty="0" smtClean="0"/>
-              <a:t>% Similar Wanted = [0 5 100]</a:t>
+              <a:t>Density 85%</a:t>
             </a:r>
             <a:endParaRPr lang="en-US" sz="1000" dirty="0"/>
           </a:p>
@@ -8859,12 +8933,12 @@
         <p:spPr>
           <a:xfrm>
             <a:off x="375212" y="1673917"/>
-            <a:ext cx="8341262" cy="1587334"/>
+            <a:ext cx="8341262" cy="1265836"/>
           </a:xfrm>
         </p:spPr>
         <p:txBody>
           <a:bodyPr>
-            <a:normAutofit fontScale="92500" lnSpcReduction="10000"/>
+            <a:normAutofit/>
           </a:bodyPr>
           <a:lstStyle/>
           <a:p>
@@ -8872,11 +8946,11 @@
               <a:buNone/>
             </a:pPr>
             <a:r>
-              <a:rPr lang="en-US" u="sng" dirty="0" smtClean="0"/>
+              <a:rPr lang="en-US" sz="1800" u="sng" dirty="0" smtClean="0"/>
               <a:t>Results</a:t>
             </a:r>
             <a:r>
-              <a:rPr lang="en-US" dirty="0" smtClean="0"/>
+              <a:rPr lang="en-US" sz="1800" dirty="0" smtClean="0"/>
               <a:t>:</a:t>
             </a:r>
           </a:p>
@@ -8886,16 +8960,33 @@
               <a:buChar char="-"/>
             </a:pPr>
             <a:r>
-              <a:rPr lang="en-US" dirty="0" smtClean="0"/>
-              <a:t>Overall having a younger age group with a lower tolerance increased the happiness level within the community and lowered the time required to reach an equilibrium.</a:t>
-            </a:r>
+              <a:rPr lang="en-US" sz="1800" dirty="0" smtClean="0"/>
+              <a:t>When </a:t>
+            </a:r>
+            <a:r>
+              <a:rPr lang="en-US" sz="1800" dirty="0" smtClean="0"/>
+              <a:t>more tolerant </a:t>
+            </a:r>
+            <a:r>
+              <a:rPr lang="en-US" sz="1800" dirty="0" smtClean="0"/>
+              <a:t>the </a:t>
+            </a:r>
+            <a:r>
+              <a:rPr lang="en-US" sz="1800" dirty="0" smtClean="0"/>
+              <a:t>younger age group </a:t>
+            </a:r>
+            <a:r>
+              <a:rPr lang="en-US" sz="1800" dirty="0" smtClean="0"/>
+              <a:t>can improve the level of integration. But…</a:t>
+            </a:r>
+            <a:endParaRPr lang="en-US" sz="1800" dirty="0" smtClean="0"/>
           </a:p>
         </p:txBody>
       </p:sp>
     </p:spTree>
     <p:extLst>
       <p:ext uri="{BB962C8B-B14F-4D97-AF65-F5344CB8AC3E}">
-        <p14:creationId xmlns:p14="http://schemas.microsoft.com/office/powerpoint/2010/main" val="2372636224"/>
+        <p14:creationId xmlns:p14="http://schemas.microsoft.com/office/powerpoint/2010/main" xmlns="" val="2372636224"/>
       </p:ext>
     </p:extLst>
   </p:cSld>
@@ -8940,7 +9031,7 @@
         </p:spPr>
         <p:txBody>
           <a:bodyPr>
-            <a:normAutofit fontScale="90000"/>
+            <a:normAutofit/>
           </a:bodyPr>
           <a:lstStyle/>
           <a:p>
@@ -9032,7 +9123,7 @@
     </p:spTree>
     <p:extLst>
       <p:ext uri="{BB962C8B-B14F-4D97-AF65-F5344CB8AC3E}">
-        <p14:creationId xmlns:p14="http://schemas.microsoft.com/office/powerpoint/2010/main" val="1858108684"/>
+        <p14:creationId xmlns:p14="http://schemas.microsoft.com/office/powerpoint/2010/main" xmlns="" val="1858108684"/>
       </p:ext>
     </p:extLst>
   </p:cSld>
@@ -9077,7 +9168,7 @@
         </p:spPr>
         <p:txBody>
           <a:bodyPr>
-            <a:normAutofit fontScale="90000"/>
+            <a:normAutofit/>
           </a:bodyPr>
           <a:lstStyle/>
           <a:p>
@@ -9137,7 +9228,7 @@
     </p:spTree>
     <p:extLst>
       <p:ext uri="{BB962C8B-B14F-4D97-AF65-F5344CB8AC3E}">
-        <p14:creationId xmlns:p14="http://schemas.microsoft.com/office/powerpoint/2010/main" val="730276728"/>
+        <p14:creationId xmlns:p14="http://schemas.microsoft.com/office/powerpoint/2010/main" xmlns="" val="730276728"/>
       </p:ext>
     </p:extLst>
   </p:cSld>
@@ -9182,7 +9273,7 @@
         </p:spPr>
         <p:txBody>
           <a:bodyPr>
-            <a:normAutofit fontScale="90000"/>
+            <a:normAutofit/>
           </a:bodyPr>
           <a:lstStyle/>
           <a:p>
@@ -9224,7 +9315,7 @@
     </p:spTree>
     <p:extLst>
       <p:ext uri="{BB962C8B-B14F-4D97-AF65-F5344CB8AC3E}">
-        <p14:creationId xmlns:p14="http://schemas.microsoft.com/office/powerpoint/2010/main" val="673480766"/>
+        <p14:creationId xmlns:p14="http://schemas.microsoft.com/office/powerpoint/2010/main" xmlns="" val="673480766"/>
       </p:ext>
     </p:extLst>
   </p:cSld>
@@ -9287,7 +9378,7 @@
         <p:spPr/>
         <p:txBody>
           <a:bodyPr>
-            <a:normAutofit fontScale="92500" lnSpcReduction="10000"/>
+            <a:normAutofit fontScale="92500" lnSpcReduction="20000"/>
           </a:bodyPr>
           <a:lstStyle/>
           <a:p>
@@ -9374,7 +9465,7 @@
     </p:spTree>
     <p:extLst>
       <p:ext uri="{BB962C8B-B14F-4D97-AF65-F5344CB8AC3E}">
-        <p14:creationId xmlns:p14="http://schemas.microsoft.com/office/powerpoint/2010/main" val="3700015921"/>
+        <p14:creationId xmlns:p14="http://schemas.microsoft.com/office/powerpoint/2010/main" xmlns="" val="3700015921"/>
       </p:ext>
     </p:extLst>
   </p:cSld>

--- a/CAP6675_HW2_Presentation.pptx
+++ b/CAP6675_HW2_Presentation.pptx
@@ -116,6 +116,7 @@
 
 <file path=ppt/charts/chart1.xml><?xml version="1.0" encoding="utf-8"?>
 <c:chartSpace xmlns:c="http://schemas.openxmlformats.org/drawingml/2006/chart" xmlns:a="http://schemas.openxmlformats.org/drawingml/2006/main" xmlns:r="http://schemas.openxmlformats.org/officeDocument/2006/relationships">
+  <c:date1904 val="1"/>
   <c:lang val="en-US"/>
   <c:style val="18"/>
   <c:chart>
@@ -234,46 +235,46 @@
                 <c:formatCode>General</c:formatCode>
                 <c:ptCount val="21"/>
                 <c:pt idx="0">
-                  <c:v>80.192100025639746</c:v>
+                  <c:v>80.192100025639732</c:v>
                 </c:pt>
                 <c:pt idx="1">
-                  <c:v>85.112852329429614</c:v>
+                  <c:v>85.112852329429586</c:v>
                 </c:pt>
                 <c:pt idx="2">
                   <c:v>84.915458146912883</c:v>
                 </c:pt>
                 <c:pt idx="3">
-                  <c:v>88.54140493220703</c:v>
+                  <c:v>88.541404932207044</c:v>
                 </c:pt>
                 <c:pt idx="4">
-                  <c:v>89.27475590272563</c:v>
+                  <c:v>89.274755902725616</c:v>
                 </c:pt>
                 <c:pt idx="5">
-                  <c:v>89.814239331005638</c:v>
+                  <c:v>89.814239331005652</c:v>
                 </c:pt>
                 <c:pt idx="6">
-                  <c:v>92.137025565565779</c:v>
+                  <c:v>92.137025565565793</c:v>
                 </c:pt>
                 <c:pt idx="7">
-                  <c:v>92.922449941032468</c:v>
+                  <c:v>92.922449941032482</c:v>
                 </c:pt>
                 <c:pt idx="8">
-                  <c:v>94.180089295554552</c:v>
+                  <c:v>94.180089295554538</c:v>
                 </c:pt>
                 <c:pt idx="9">
-                  <c:v>95.457617229929014</c:v>
+                  <c:v>95.457617229929028</c:v>
                 </c:pt>
                 <c:pt idx="10">
                   <c:v>95.515483548943664</c:v>
                 </c:pt>
                 <c:pt idx="11">
-                  <c:v>97.223330072741035</c:v>
+                  <c:v>97.223330072741007</c:v>
                 </c:pt>
                 <c:pt idx="12">
-                  <c:v>97.63467904331921</c:v>
+                  <c:v>97.634679043319224</c:v>
                 </c:pt>
                 <c:pt idx="13">
-                  <c:v>98.205102728498346</c:v>
+                  <c:v>98.205102728498332</c:v>
                 </c:pt>
                 <c:pt idx="14">
                   <c:v>98.937865312513708</c:v>
@@ -291,10 +292,10 @@
                   <c:v>71.3424935476028</c:v>
                 </c:pt>
                 <c:pt idx="19">
-                  <c:v>71.199794738506412</c:v>
+                  <c:v>71.199794738506398</c:v>
                 </c:pt>
                 <c:pt idx="20">
-                  <c:v>70.645749667676625</c:v>
+                  <c:v>70.645749667676611</c:v>
                 </c:pt>
               </c:numCache>
             </c:numRef>
@@ -388,7 +389,7 @@
                 <c:formatCode>General</c:formatCode>
                 <c:ptCount val="21"/>
                 <c:pt idx="0">
-                  <c:v>0.23550724637681003</c:v>
+                  <c:v>0.23550724637681006</c:v>
                 </c:pt>
                 <c:pt idx="1">
                   <c:v>0</c:v>
@@ -439,10 +440,10 @@
                   <c:v>0</c:v>
                 </c:pt>
                 <c:pt idx="17">
-                  <c:v>19.765457148802938</c:v>
+                  <c:v>19.765457148802934</c:v>
                 </c:pt>
                 <c:pt idx="18">
-                  <c:v>52.863661425025491</c:v>
+                  <c:v>52.863661425025484</c:v>
                 </c:pt>
                 <c:pt idx="19">
                   <c:v>52.75382843542117</c:v>
@@ -454,13 +455,12 @@
             </c:numRef>
           </c:val>
         </c:ser>
-        <c:dLbls/>
         <c:marker val="1"/>
-        <c:axId val="105504128"/>
-        <c:axId val="105678336"/>
+        <c:axId val="75839744"/>
+        <c:axId val="75846016"/>
       </c:lineChart>
       <c:catAx>
-        <c:axId val="105504128"/>
+        <c:axId val="75839744"/>
         <c:scaling>
           <c:orientation val="minMax"/>
         </c:scaling>
@@ -489,14 +489,14 @@
         </c:title>
         <c:numFmt formatCode="General" sourceLinked="1"/>
         <c:tickLblPos val="nextTo"/>
-        <c:crossAx val="105678336"/>
+        <c:crossAx val="75846016"/>
         <c:crosses val="autoZero"/>
         <c:auto val="1"/>
         <c:lblAlgn val="ctr"/>
         <c:lblOffset val="100"/>
       </c:catAx>
       <c:valAx>
-        <c:axId val="105678336"/>
+        <c:axId val="75846016"/>
         <c:scaling>
           <c:orientation val="minMax"/>
           <c:max val="100"/>
@@ -523,7 +523,7 @@
         </c:title>
         <c:numFmt formatCode="General" sourceLinked="1"/>
         <c:tickLblPos val="nextTo"/>
-        <c:crossAx val="105504128"/>
+        <c:crossAx val="75839744"/>
         <c:crosses val="autoZero"/>
         <c:crossBetween val="between"/>
       </c:valAx>
@@ -541,6 +541,7 @@
 
 <file path=ppt/charts/chart2.xml><?xml version="1.0" encoding="utf-8"?>
 <c:chartSpace xmlns:c="http://schemas.openxmlformats.org/drawingml/2006/chart" xmlns:a="http://schemas.openxmlformats.org/drawingml/2006/main" xmlns:r="http://schemas.openxmlformats.org/officeDocument/2006/relationships">
+  <c:date1904 val="1"/>
   <c:lang val="en-US"/>
   <c:style val="18"/>
   <c:chart>
@@ -705,13 +706,12 @@
             </c:numRef>
           </c:val>
         </c:ser>
-        <c:dLbls/>
         <c:marker val="1"/>
-        <c:axId val="105698816"/>
-        <c:axId val="105700736"/>
+        <c:axId val="75874688"/>
+        <c:axId val="75876608"/>
       </c:lineChart>
       <c:catAx>
-        <c:axId val="105698816"/>
+        <c:axId val="75874688"/>
         <c:scaling>
           <c:orientation val="minMax"/>
         </c:scaling>
@@ -741,14 +741,14 @@
         </c:title>
         <c:numFmt formatCode="General" sourceLinked="1"/>
         <c:tickLblPos val="nextTo"/>
-        <c:crossAx val="105700736"/>
+        <c:crossAx val="75876608"/>
         <c:crosses val="autoZero"/>
         <c:auto val="1"/>
         <c:lblAlgn val="ctr"/>
         <c:lblOffset val="100"/>
       </c:catAx>
       <c:valAx>
-        <c:axId val="105700736"/>
+        <c:axId val="75876608"/>
         <c:scaling>
           <c:orientation val="minMax"/>
         </c:scaling>
@@ -774,7 +774,7 @@
         </c:title>
         <c:numFmt formatCode="General" sourceLinked="1"/>
         <c:tickLblPos val="nextTo"/>
-        <c:crossAx val="105698816"/>
+        <c:crossAx val="75874688"/>
         <c:crosses val="autoZero"/>
         <c:crossBetween val="between"/>
       </c:valAx>
@@ -1227,7 +1227,7 @@
             <a:fld id="{7D290233-0DD1-4A80-BB1E-9ADC3556DBB6}" type="datetimeFigureOut">
               <a:rPr lang="en-US" smtClean="0"/>
               <a:pPr/>
-              <a:t>9/27/2015</a:t>
+              <a:t>9/28/2015</a:t>
             </a:fld>
             <a:endParaRPr lang="en-US"/>
           </a:p>
@@ -1840,7 +1840,7 @@
             <a:fld id="{7D290233-0DD1-4A80-BB1E-9ADC3556DBB6}" type="datetimeFigureOut">
               <a:rPr lang="en-US" smtClean="0"/>
               <a:pPr/>
-              <a:t>9/27/2015</a:t>
+              <a:t>9/28/2015</a:t>
             </a:fld>
             <a:endParaRPr lang="en-US"/>
           </a:p>
@@ -2414,7 +2414,7 @@
             <a:fld id="{7D290233-0DD1-4A80-BB1E-9ADC3556DBB6}" type="datetimeFigureOut">
               <a:rPr lang="en-US" smtClean="0"/>
               <a:pPr/>
-              <a:t>9/27/2015</a:t>
+              <a:t>9/28/2015</a:t>
             </a:fld>
             <a:endParaRPr lang="en-US"/>
           </a:p>
@@ -2950,7 +2950,7 @@
             <a:fld id="{7D290233-0DD1-4A80-BB1E-9ADC3556DBB6}" type="datetimeFigureOut">
               <a:rPr lang="en-US" smtClean="0"/>
               <a:pPr/>
-              <a:t>9/27/2015</a:t>
+              <a:t>9/28/2015</a:t>
             </a:fld>
             <a:endParaRPr lang="en-US"/>
           </a:p>
@@ -3354,7 +3354,7 @@
             <a:fld id="{7D290233-0DD1-4A80-BB1E-9ADC3556DBB6}" type="datetimeFigureOut">
               <a:rPr lang="en-US" smtClean="0"/>
               <a:pPr/>
-              <a:t>9/27/2015</a:t>
+              <a:t>9/28/2015</a:t>
             </a:fld>
             <a:endParaRPr lang="en-US"/>
           </a:p>
@@ -3789,7 +3789,7 @@
             <a:fld id="{7D290233-0DD1-4A80-BB1E-9ADC3556DBB6}" type="datetimeFigureOut">
               <a:rPr lang="en-US" smtClean="0"/>
               <a:pPr/>
-              <a:t>9/27/2015</a:t>
+              <a:t>9/28/2015</a:t>
             </a:fld>
             <a:endParaRPr lang="en-US"/>
           </a:p>
@@ -4193,7 +4193,7 @@
             <a:fld id="{7D290233-0DD1-4A80-BB1E-9ADC3556DBB6}" type="datetimeFigureOut">
               <a:rPr lang="en-US" smtClean="0"/>
               <a:pPr/>
-              <a:t>9/27/2015</a:t>
+              <a:t>9/28/2015</a:t>
             </a:fld>
             <a:endParaRPr lang="en-US"/>
           </a:p>
@@ -4669,7 +4669,7 @@
             <a:fld id="{7D290233-0DD1-4A80-BB1E-9ADC3556DBB6}" type="datetimeFigureOut">
               <a:rPr lang="en-US" smtClean="0"/>
               <a:pPr/>
-              <a:t>9/27/2015</a:t>
+              <a:t>9/28/2015</a:t>
             </a:fld>
             <a:endParaRPr lang="en-US"/>
           </a:p>
@@ -5120,7 +5120,7 @@
             <a:fld id="{7D290233-0DD1-4A80-BB1E-9ADC3556DBB6}" type="datetimeFigureOut">
               <a:rPr lang="en-US" smtClean="0"/>
               <a:pPr/>
-              <a:t>9/27/2015</a:t>
+              <a:t>9/28/2015</a:t>
             </a:fld>
             <a:endParaRPr lang="en-US"/>
           </a:p>
@@ -5642,7 +5642,7 @@
             <a:fld id="{7D290233-0DD1-4A80-BB1E-9ADC3556DBB6}" type="datetimeFigureOut">
               <a:rPr lang="en-US" smtClean="0"/>
               <a:pPr/>
-              <a:t>9/27/2015</a:t>
+              <a:t>9/28/2015</a:t>
             </a:fld>
             <a:endParaRPr lang="en-US"/>
           </a:p>
@@ -6364,7 +6364,7 @@
             <a:fld id="{7D290233-0DD1-4A80-BB1E-9ADC3556DBB6}" type="datetimeFigureOut">
               <a:rPr lang="en-US" smtClean="0"/>
               <a:pPr/>
-              <a:t>9/27/2015</a:t>
+              <a:t>9/28/2015</a:t>
             </a:fld>
             <a:endParaRPr lang="en-US"/>
           </a:p>
@@ -6712,7 +6712,7 @@
             <a:fld id="{7D290233-0DD1-4A80-BB1E-9ADC3556DBB6}" type="datetimeFigureOut">
               <a:rPr lang="en-US" smtClean="0"/>
               <a:pPr/>
-              <a:t>9/27/2015</a:t>
+              <a:t>9/28/2015</a:t>
             </a:fld>
             <a:endParaRPr lang="en-US"/>
           </a:p>
@@ -6983,7 +6983,7 @@
             <a:fld id="{7D290233-0DD1-4A80-BB1E-9ADC3556DBB6}" type="datetimeFigureOut">
               <a:rPr lang="en-US" smtClean="0"/>
               <a:pPr/>
-              <a:t>9/27/2015</a:t>
+              <a:t>9/28/2015</a:t>
             </a:fld>
             <a:endParaRPr lang="en-US"/>
           </a:p>
@@ -7542,7 +7542,7 @@
             <a:fld id="{7D290233-0DD1-4A80-BB1E-9ADC3556DBB6}" type="datetimeFigureOut">
               <a:rPr lang="en-US" smtClean="0"/>
               <a:pPr/>
-              <a:t>9/27/2015</a:t>
+              <a:t>9/28/2015</a:t>
             </a:fld>
             <a:endParaRPr lang="en-US"/>
           </a:p>
@@ -7754,7 +7754,7 @@
             <a:fld id="{7D290233-0DD1-4A80-BB1E-9ADC3556DBB6}" type="datetimeFigureOut">
               <a:rPr lang="en-US" smtClean="0"/>
               <a:pPr/>
-              <a:t>9/27/2015</a:t>
+              <a:t>9/28/2015</a:t>
             </a:fld>
             <a:endParaRPr lang="en-US"/>
           </a:p>
@@ -8306,7 +8306,7 @@
     </p:spTree>
     <p:extLst>
       <p:ext uri="{BB962C8B-B14F-4D97-AF65-F5344CB8AC3E}">
-        <p14:creationId xmlns:p14="http://schemas.microsoft.com/office/powerpoint/2010/main" xmlns="" val="1880065562"/>
+        <p14:creationId xmlns="" xmlns:p14="http://schemas.microsoft.com/office/powerpoint/2010/main" val="1880065562"/>
       </p:ext>
     </p:extLst>
   </p:cSld>
@@ -8398,23 +8398,7 @@
             </a:pPr>
             <a:r>
               <a:rPr lang="en-US" dirty="0" smtClean="0"/>
-              <a:t>How do </a:t>
-            </a:r>
-            <a:r>
-              <a:rPr lang="en-US" dirty="0" smtClean="0"/>
-              <a:t>different </a:t>
-            </a:r>
-            <a:r>
-              <a:rPr lang="en-US" dirty="0" smtClean="0"/>
-              <a:t>age groups </a:t>
-            </a:r>
-            <a:r>
-              <a:rPr lang="en-US" dirty="0" smtClean="0"/>
-              <a:t>(young and old) with </a:t>
-            </a:r>
-            <a:r>
-              <a:rPr lang="en-US" dirty="0" smtClean="0"/>
-              <a:t>different tolerances affect the level of segregation within a community.</a:t>
+              <a:t>How do different age groups (young and old) with different tolerances affect the level of segregation within a community.</a:t>
             </a:r>
             <a:endParaRPr lang="en-US" dirty="0"/>
           </a:p>
@@ -8449,13 +8433,8 @@
             <a:pPr marL="0" indent="0"/>
             <a:r>
               <a:rPr lang="en-US" dirty="0" smtClean="0"/>
-              <a:t> </a:t>
-            </a:r>
-            <a:r>
-              <a:rPr lang="en-US" dirty="0" smtClean="0"/>
-              <a:t>Less ticks to equilibrium</a:t>
-            </a:r>
-            <a:endParaRPr lang="en-US" dirty="0" smtClean="0"/>
+              <a:t> Less ticks to equilibrium</a:t>
+            </a:r>
           </a:p>
           <a:p>
             <a:pPr marL="0" indent="0">
@@ -8476,28 +8455,15 @@
             </a:pPr>
             <a:r>
               <a:rPr lang="en-US" dirty="0" smtClean="0"/>
-              <a:t>Having a subset of each type of agent </a:t>
-            </a:r>
-            <a:r>
-              <a:rPr lang="en-US" dirty="0" smtClean="0"/>
-              <a:t>(red green) with </a:t>
-            </a:r>
-            <a:r>
-              <a:rPr lang="en-US" dirty="0" smtClean="0"/>
-              <a:t>lower similarity requirements </a:t>
-            </a:r>
-            <a:r>
-              <a:rPr lang="en-US" dirty="0" smtClean="0"/>
-              <a:t>will allow them to be happy in more integrated neighborhood. </a:t>
-            </a:r>
-            <a:endParaRPr lang="en-US" dirty="0" smtClean="0"/>
+              <a:t>Having a subset of each type of agent (red green) with lower similarity requirements will allow them to be happy in more integrated neighborhood. </a:t>
+            </a:r>
           </a:p>
         </p:txBody>
       </p:sp>
     </p:spTree>
     <p:extLst>
       <p:ext uri="{BB962C8B-B14F-4D97-AF65-F5344CB8AC3E}">
-        <p14:creationId xmlns:p14="http://schemas.microsoft.com/office/powerpoint/2010/main" xmlns="" val="4047314403"/>
+        <p14:creationId xmlns="" xmlns:p14="http://schemas.microsoft.com/office/powerpoint/2010/main" val="4047314403"/>
       </p:ext>
     </p:extLst>
   </p:cSld>
@@ -8614,11 +8580,7 @@
           <a:p>
             <a:r>
               <a:rPr lang="en-US" dirty="0" smtClean="0"/>
-              <a:t>Each </a:t>
-            </a:r>
-            <a:r>
-              <a:rPr lang="en-US" dirty="0" smtClean="0"/>
-              <a:t>type of agent is divided into two groups:</a:t>
+              <a:t>Each type of agent is divided into two groups:</a:t>
             </a:r>
           </a:p>
           <a:p>
@@ -8631,15 +8593,7 @@
             </a:pPr>
             <a:r>
               <a:rPr lang="en-US" dirty="0" smtClean="0"/>
-              <a:t>Old agents – With a higher </a:t>
-            </a:r>
-            <a:r>
-              <a:rPr lang="en-US" dirty="0" smtClean="0"/>
-              <a:t>requirement </a:t>
-            </a:r>
-            <a:r>
-              <a:rPr lang="en-US" dirty="0" smtClean="0"/>
-              <a:t>for similar neighbors</a:t>
+              <a:t>Old agents – With a higher requirement for similar neighbors</a:t>
             </a:r>
           </a:p>
           <a:p>
@@ -8652,33 +8606,13 @@
             </a:pPr>
             <a:r>
               <a:rPr lang="en-US" dirty="0" smtClean="0"/>
-              <a:t>Young agents – With a lower </a:t>
-            </a:r>
+              <a:t>Young agents – With a lower requirement for similar neighbors</a:t>
+            </a:r>
+          </a:p>
+          <a:p>
             <a:r>
               <a:rPr lang="en-US" dirty="0" smtClean="0"/>
-              <a:t>requirement </a:t>
-            </a:r>
-            <a:r>
-              <a:rPr lang="en-US" dirty="0" smtClean="0"/>
-              <a:t>for similar neighbors</a:t>
-            </a:r>
-          </a:p>
-          <a:p>
-            <a:r>
-              <a:rPr lang="en-US" dirty="0" smtClean="0"/>
-              <a:t>Each group of the same </a:t>
-            </a:r>
-            <a:r>
-              <a:rPr lang="en-US" dirty="0" smtClean="0"/>
-              <a:t>type of agent </a:t>
-            </a:r>
-            <a:r>
-              <a:rPr lang="en-US" dirty="0" smtClean="0"/>
-              <a:t>will count as a similar </a:t>
-            </a:r>
-            <a:r>
-              <a:rPr lang="en-US" dirty="0" smtClean="0"/>
-              <a:t>neighbor</a:t>
+              <a:t>Each group of the same type of agent will count as a similar neighbor</a:t>
             </a:r>
           </a:p>
           <a:p>
@@ -8686,7 +8620,6 @@
               <a:rPr lang="en-US" dirty="0" smtClean="0"/>
               <a:t>Can adjust density, %young, young % similar, old % similar</a:t>
             </a:r>
-            <a:endParaRPr lang="en-US" dirty="0" smtClean="0"/>
           </a:p>
           <a:p>
             <a:pPr marL="0" indent="0">
@@ -8704,21 +8637,13 @@
           <a:p>
             <a:r>
               <a:rPr lang="en-US" dirty="0" smtClean="0"/>
-              <a:t>% </a:t>
-            </a:r>
+              <a:t>% of similar neighbors of an agent</a:t>
+            </a:r>
+          </a:p>
+          <a:p>
             <a:r>
               <a:rPr lang="en-US" dirty="0" smtClean="0"/>
-              <a:t>of similar neighbors of an agent</a:t>
-            </a:r>
-          </a:p>
-          <a:p>
-            <a:r>
-              <a:rPr lang="en-US" dirty="0" smtClean="0"/>
-              <a:t>Number of unhappy </a:t>
-            </a:r>
-            <a:r>
-              <a:rPr lang="en-US" dirty="0" smtClean="0"/>
-              <a:t>agents</a:t>
+              <a:t>Number of unhappy agents</a:t>
             </a:r>
           </a:p>
           <a:p>
@@ -8740,7 +8665,7 @@
     </p:spTree>
     <p:extLst>
       <p:ext uri="{BB962C8B-B14F-4D97-AF65-F5344CB8AC3E}">
-        <p14:creationId xmlns:p14="http://schemas.microsoft.com/office/powerpoint/2010/main" xmlns="" val="2890700283"/>
+        <p14:creationId xmlns="" xmlns:p14="http://schemas.microsoft.com/office/powerpoint/2010/main" val="2890700283"/>
       </p:ext>
     </p:extLst>
   </p:cSld>
@@ -8801,7 +8726,7 @@
           <p:nvPr>
             <p:extLst>
               <p:ext uri="{D42A27DB-BD31-4B8C-83A1-F6EECF244321}">
-                <p14:modId xmlns:p14="http://schemas.microsoft.com/office/powerpoint/2010/main" xmlns="" val="3717212227"/>
+                <p14:modId xmlns="" xmlns:p14="http://schemas.microsoft.com/office/powerpoint/2010/main" val="3717212227"/>
               </p:ext>
             </p:extLst>
           </p:nvPr>
@@ -8825,7 +8750,7 @@
           <p:nvPr>
             <p:extLst>
               <p:ext uri="{D42A27DB-BD31-4B8C-83A1-F6EECF244321}">
-                <p14:modId xmlns:p14="http://schemas.microsoft.com/office/powerpoint/2010/main" xmlns="" val="2053670861"/>
+                <p14:modId xmlns="" xmlns:p14="http://schemas.microsoft.com/office/powerpoint/2010/main" val="2053670861"/>
               </p:ext>
             </p:extLst>
           </p:nvPr>
@@ -8874,15 +8799,7 @@
             </a:pPr>
             <a:r>
               <a:rPr lang="en-US" sz="1000" dirty="0" smtClean="0"/>
-              <a:t>60% </a:t>
-            </a:r>
-            <a:r>
-              <a:rPr lang="en-US" sz="1000" dirty="0" smtClean="0"/>
-              <a:t>Old, % </a:t>
-            </a:r>
-            <a:r>
-              <a:rPr lang="en-US" sz="1000" dirty="0" smtClean="0"/>
-              <a:t>Similar Wanted = 65%</a:t>
+              <a:t>60% Old, % Similar Wanted = 65%</a:t>
             </a:r>
           </a:p>
           <a:p>
@@ -8892,19 +8809,7 @@
             </a:pPr>
             <a:r>
               <a:rPr lang="en-US" sz="1000" dirty="0" smtClean="0"/>
-              <a:t>40% </a:t>
-            </a:r>
-            <a:r>
-              <a:rPr lang="en-US" sz="1000" dirty="0" smtClean="0"/>
-              <a:t>Young, % </a:t>
-            </a:r>
-            <a:r>
-              <a:rPr lang="en-US" sz="1000" dirty="0" smtClean="0"/>
-              <a:t>Similar Wanted = [0 5 100</a:t>
-            </a:r>
-            <a:r>
-              <a:rPr lang="en-US" sz="1000" dirty="0" smtClean="0"/>
-              <a:t>]</a:t>
+              <a:t>40% Young, % Similar Wanted = [0 5 100]</a:t>
             </a:r>
           </a:p>
           <a:p>
@@ -8961,23 +8866,7 @@
             </a:pPr>
             <a:r>
               <a:rPr lang="en-US" sz="1800" dirty="0" smtClean="0"/>
-              <a:t>When </a:t>
-            </a:r>
-            <a:r>
-              <a:rPr lang="en-US" sz="1800" dirty="0" smtClean="0"/>
-              <a:t>more tolerant </a:t>
-            </a:r>
-            <a:r>
-              <a:rPr lang="en-US" sz="1800" dirty="0" smtClean="0"/>
-              <a:t>the </a:t>
-            </a:r>
-            <a:r>
-              <a:rPr lang="en-US" sz="1800" dirty="0" smtClean="0"/>
-              <a:t>younger age group </a:t>
-            </a:r>
-            <a:r>
-              <a:rPr lang="en-US" sz="1800" dirty="0" smtClean="0"/>
-              <a:t>can improve the level of integration. But…</a:t>
+              <a:t>When more tolerant the younger age group can improve the level of integration. But…</a:t>
             </a:r>
             <a:endParaRPr lang="en-US" sz="1800" dirty="0" smtClean="0"/>
           </a:p>
@@ -8986,7 +8875,7 @@
     </p:spTree>
     <p:extLst>
       <p:ext uri="{BB962C8B-B14F-4D97-AF65-F5344CB8AC3E}">
-        <p14:creationId xmlns:p14="http://schemas.microsoft.com/office/powerpoint/2010/main" xmlns="" val="2372636224"/>
+        <p14:creationId xmlns="" xmlns:p14="http://schemas.microsoft.com/office/powerpoint/2010/main" val="2372636224"/>
       </p:ext>
     </p:extLst>
   </p:cSld>
@@ -9081,7 +8970,27 @@
             </a:pPr>
             <a:r>
               <a:rPr lang="en-US" dirty="0" smtClean="0"/>
-              <a:t>How does age affect the level of segregation within a community.</a:t>
+              <a:t>How </a:t>
+            </a:r>
+            <a:r>
+              <a:rPr lang="en-US" dirty="0" smtClean="0"/>
+              <a:t>do </a:t>
+            </a:r>
+            <a:r>
+              <a:rPr lang="en-US" dirty="0" smtClean="0"/>
+              <a:t>individuals with different lengths of residency </a:t>
+            </a:r>
+            <a:r>
+              <a:rPr lang="en-US" dirty="0" smtClean="0"/>
+              <a:t>affect convergence in </a:t>
+            </a:r>
+            <a:r>
+              <a:rPr lang="en-US" dirty="0" smtClean="0"/>
+              <a:t>a common </a:t>
+            </a:r>
+            <a:r>
+              <a:rPr lang="en-US" dirty="0" smtClean="0"/>
+              <a:t>neighborhood</a:t>
             </a:r>
             <a:endParaRPr lang="en-US" dirty="0"/>
           </a:p>
@@ -9102,6 +9011,10 @@
             <a:pPr marL="0" indent="0">
               <a:buNone/>
             </a:pPr>
+            <a:r>
+              <a:rPr lang="en-US" dirty="0" smtClean="0"/>
+              <a:t>Should slow convergence, and change equilibrium point</a:t>
+            </a:r>
             <a:endParaRPr lang="en-US" dirty="0" smtClean="0"/>
           </a:p>
           <a:p>
@@ -9116,6 +9029,12 @@
               <a:rPr lang="en-US" dirty="0" smtClean="0"/>
               <a:t>: </a:t>
             </a:r>
+            <a:endParaRPr lang="en-US" dirty="0" smtClean="0"/>
+          </a:p>
+          <a:p>
+            <a:pPr marL="0" indent="0">
+              <a:buNone/>
+            </a:pPr>
             <a:endParaRPr lang="en-US" dirty="0"/>
           </a:p>
         </p:txBody>
@@ -9123,7 +9042,7 @@
     </p:spTree>
     <p:extLst>
       <p:ext uri="{BB962C8B-B14F-4D97-AF65-F5344CB8AC3E}">
-        <p14:creationId xmlns:p14="http://schemas.microsoft.com/office/powerpoint/2010/main" xmlns="" val="1858108684"/>
+        <p14:creationId xmlns="" xmlns:p14="http://schemas.microsoft.com/office/powerpoint/2010/main" val="1858108684"/>
       </p:ext>
     </p:extLst>
   </p:cSld>
@@ -9204,23 +9123,62 @@
               <a:buNone/>
             </a:pPr>
             <a:r>
+              <a:rPr lang="en-US" u="sng" dirty="0" smtClean="0"/>
+              <a:t>Model:</a:t>
+            </a:r>
+          </a:p>
+          <a:p>
+            <a:pPr marL="0" indent="0"/>
+            <a:r>
+              <a:rPr lang="en-US" dirty="0" smtClean="0"/>
+              <a:t> One neighborhood</a:t>
+            </a:r>
+          </a:p>
+          <a:p>
+            <a:pPr marL="0" indent="0"/>
+            <a:r>
+              <a:rPr lang="en-US" dirty="0" smtClean="0"/>
+              <a:t> </a:t>
+            </a:r>
+            <a:r>
+              <a:rPr lang="en-US" dirty="0" smtClean="0"/>
+              <a:t>Decision to leave based on ratio of everyone in 	neighborhood</a:t>
+            </a:r>
+            <a:endParaRPr lang="en-US" dirty="0" smtClean="0"/>
+          </a:p>
+          <a:p>
+            <a:pPr marL="0" indent="0">
+              <a:buNone/>
+            </a:pPr>
+            <a:r>
+              <a:rPr lang="en-US" u="sng" dirty="0" smtClean="0"/>
+              <a:t>Model </a:t>
+            </a:r>
+            <a:r>
               <a:rPr lang="en-US" u="sng" dirty="0"/>
-              <a:t>Model Changes</a:t>
-            </a:r>
-            <a:r>
-              <a:rPr lang="en-US" dirty="0"/>
+              <a:t>Changes</a:t>
+            </a:r>
+            <a:r>
+              <a:rPr lang="en-US" dirty="0" smtClean="0"/>
               <a:t>:</a:t>
             </a:r>
           </a:p>
           <a:p>
-            <a:pPr>
-              <a:buFontTx/>
-              <a:buChar char="-"/>
+            <a:pPr marL="0" indent="0"/>
+            <a:r>
+              <a:rPr lang="en-US" dirty="0" smtClean="0"/>
+              <a:t> </a:t>
+            </a:r>
+            <a:r>
+              <a:rPr lang="en-US" dirty="0" smtClean="0"/>
+              <a:t>Longer agent stays less likely to move</a:t>
+            </a:r>
+            <a:endParaRPr lang="en-US" dirty="0" smtClean="0"/>
+          </a:p>
+          <a:p>
+            <a:pPr marL="0" indent="0">
+              <a:buNone/>
             </a:pPr>
-            <a:r>
-              <a:rPr lang="en-US" dirty="0" smtClean="0"/>
-              <a:t>Add a hotspot to the neighborhood that has a higher desire for agents to be at</a:t>
-            </a:r>
             <a:endParaRPr lang="en-US" dirty="0"/>
           </a:p>
         </p:txBody>
@@ -9228,7 +9186,7 @@
     </p:spTree>
     <p:extLst>
       <p:ext uri="{BB962C8B-B14F-4D97-AF65-F5344CB8AC3E}">
-        <p14:creationId xmlns:p14="http://schemas.microsoft.com/office/powerpoint/2010/main" xmlns="" val="730276728"/>
+        <p14:creationId xmlns="" xmlns:p14="http://schemas.microsoft.com/office/powerpoint/2010/main" val="730276728"/>
       </p:ext>
     </p:extLst>
   </p:cSld>
@@ -9297,17 +9255,211 @@
         </p:nvSpPr>
         <p:spPr>
           <a:xfrm>
-            <a:off x="375212" y="1789356"/>
-            <a:ext cx="8341262" cy="4458963"/>
+            <a:off x="375212" y="1789357"/>
+            <a:ext cx="8341262" cy="1278584"/>
           </a:xfrm>
         </p:spPr>
         <p:txBody>
           <a:bodyPr/>
           <a:lstStyle/>
           <a:p>
-            <a:pPr marL="0" indent="0">
+            <a:pPr marL="0" lvl="0" indent="0">
+              <a:buClr>
+                <a:srgbClr val="000000">
+                  <a:lumMod val="75000"/>
+                  <a:lumOff val="25000"/>
+                </a:srgbClr>
+              </a:buClr>
               <a:buNone/>
             </a:pPr>
+            <a:r>
+              <a:rPr lang="en-US" sz="1800" u="sng" dirty="0" smtClean="0">
+                <a:solidFill>
+                  <a:srgbClr val="000000">
+                    <a:lumMod val="75000"/>
+                    <a:lumOff val="25000"/>
+                  </a:srgbClr>
+                </a:solidFill>
+              </a:rPr>
+              <a:t>Results</a:t>
+            </a:r>
+            <a:r>
+              <a:rPr lang="en-US" sz="1800" dirty="0" smtClean="0">
+                <a:solidFill>
+                  <a:srgbClr val="000000">
+                    <a:lumMod val="75000"/>
+                    <a:lumOff val="25000"/>
+                  </a:srgbClr>
+                </a:solidFill>
+              </a:rPr>
+              <a:t>:</a:t>
+            </a:r>
+          </a:p>
+          <a:p>
+            <a:pPr lvl="0">
+              <a:buClr>
+                <a:srgbClr val="000000">
+                  <a:lumMod val="75000"/>
+                  <a:lumOff val="25000"/>
+                </a:srgbClr>
+              </a:buClr>
+              <a:buFontTx/>
+              <a:buChar char="-"/>
+            </a:pPr>
+            <a:r>
+              <a:rPr lang="en-US" sz="1800" dirty="0" smtClean="0">
+                <a:solidFill>
+                  <a:srgbClr val="000000">
+                    <a:lumMod val="75000"/>
+                    <a:lumOff val="25000"/>
+                  </a:srgbClr>
+                </a:solidFill>
+              </a:rPr>
+              <a:t>Rate of abandonment is slowed by high initial length of residency. At a certain point agents will not move.</a:t>
+            </a:r>
+            <a:endParaRPr lang="en-US" dirty="0"/>
+          </a:p>
+        </p:txBody>
+      </p:sp>
+      <p:pic>
+        <p:nvPicPr>
+          <p:cNvPr id="4" name="Picture 3" descr="Untitled.png"/>
+          <p:cNvPicPr>
+            <a:picLocks noChangeAspect="1"/>
+          </p:cNvPicPr>
+          <p:nvPr/>
+        </p:nvPicPr>
+        <p:blipFill>
+          <a:blip r:embed="rId2" cstate="print"/>
+          <a:stretch>
+            <a:fillRect/>
+          </a:stretch>
+        </p:blipFill>
+        <p:spPr>
+          <a:xfrm>
+            <a:off x="277104" y="3067941"/>
+            <a:ext cx="8606658" cy="2614942"/>
+          </a:xfrm>
+          <a:prstGeom prst="rect">
+            <a:avLst/>
+          </a:prstGeom>
+        </p:spPr>
+      </p:pic>
+      <p:sp>
+        <p:nvSpPr>
+          <p:cNvPr id="7" name="TextBox 6"/>
+          <p:cNvSpPr txBox="1"/>
+          <p:nvPr/>
+        </p:nvSpPr>
+        <p:spPr>
+          <a:xfrm>
+            <a:off x="230742" y="5765869"/>
+            <a:ext cx="8597064" cy="707886"/>
+          </a:xfrm>
+          <a:prstGeom prst="rect">
+            <a:avLst/>
+          </a:prstGeom>
+          <a:noFill/>
+        </p:spPr>
+        <p:txBody>
+          <a:bodyPr wrap="square" rtlCol="0" anchor="ctr">
+            <a:spAutoFit/>
+          </a:bodyPr>
+          <a:lstStyle/>
+          <a:p>
+            <a:r>
+              <a:rPr lang="en-US" sz="1000" dirty="0" smtClean="0"/>
+              <a:t>Parameters</a:t>
+            </a:r>
+            <a:r>
+              <a:rPr lang="en-US" sz="1000" dirty="0" smtClean="0"/>
+              <a:t>: 101 max agents, red max </a:t>
+            </a:r>
+            <a:r>
+              <a:rPr lang="en-US" sz="1000" dirty="0" err="1" smtClean="0"/>
+              <a:t>green:red</a:t>
+            </a:r>
+            <a:r>
+              <a:rPr lang="en-US" sz="1000" dirty="0" smtClean="0"/>
+              <a:t> = 1.5, green max </a:t>
+            </a:r>
+            <a:r>
+              <a:rPr lang="en-US" sz="1000" dirty="0" err="1" smtClean="0"/>
+              <a:t>red:green</a:t>
+            </a:r>
+            <a:r>
+              <a:rPr lang="en-US" sz="1000" dirty="0" smtClean="0"/>
+              <a:t> = 3, green mean </a:t>
+            </a:r>
+            <a:r>
+              <a:rPr lang="en-US" sz="1000" dirty="0" err="1" smtClean="0"/>
+              <a:t>LoR</a:t>
+            </a:r>
+            <a:r>
+              <a:rPr lang="en-US" sz="1000" dirty="0" smtClean="0"/>
+              <a:t> 60</a:t>
+            </a:r>
+          </a:p>
+          <a:p>
+            <a:r>
+              <a:rPr lang="en-US" sz="1000" baseline="30000" dirty="0" smtClean="0"/>
+              <a:t>1 </a:t>
+            </a:r>
+            <a:r>
+              <a:rPr lang="en-US" sz="1000" dirty="0" smtClean="0"/>
+              <a:t>Schelling’s </a:t>
+            </a:r>
+            <a:r>
+              <a:rPr lang="en-US" sz="1000" dirty="0" smtClean="0"/>
+              <a:t>equilibrium in this case would be all greens </a:t>
+            </a:r>
+            <a:endParaRPr lang="en-US" sz="1000" dirty="0" smtClean="0"/>
+          </a:p>
+          <a:p>
+            <a:r>
+              <a:rPr lang="en-US" sz="1000" baseline="30000" dirty="0" smtClean="0"/>
+              <a:t>2</a:t>
+            </a:r>
+            <a:r>
+              <a:rPr lang="en-US" sz="1000" dirty="0" smtClean="0"/>
+              <a:t> Excludes results where </a:t>
+            </a:r>
+            <a:r>
+              <a:rPr lang="en-US" sz="1000" dirty="0" err="1" smtClean="0"/>
+              <a:t>LoR</a:t>
+            </a:r>
+            <a:r>
+              <a:rPr lang="en-US" sz="1000" dirty="0" smtClean="0"/>
+              <a:t> prevented Schelling’s equilibrium (all greens in this case) from occurring</a:t>
+            </a:r>
+          </a:p>
+          <a:p>
+            <a:endParaRPr lang="en-US" sz="1000" dirty="0" smtClean="0"/>
+          </a:p>
+        </p:txBody>
+      </p:sp>
+      <p:sp>
+        <p:nvSpPr>
+          <p:cNvPr id="8" name="TextBox 7"/>
+          <p:cNvSpPr txBox="1"/>
+          <p:nvPr/>
+        </p:nvSpPr>
+        <p:spPr>
+          <a:xfrm>
+            <a:off x="717847" y="6019233"/>
+            <a:ext cx="184731" cy="369332"/>
+          </a:xfrm>
+          <a:prstGeom prst="rect">
+            <a:avLst/>
+          </a:prstGeom>
+          <a:noFill/>
+        </p:spPr>
+        <p:txBody>
+          <a:bodyPr wrap="none" rtlCol="0">
+            <a:spAutoFit/>
+          </a:bodyPr>
+          <a:lstStyle/>
+          <a:p>
             <a:endParaRPr lang="en-US" dirty="0"/>
           </a:p>
         </p:txBody>
@@ -9315,7 +9467,7 @@
     </p:spTree>
     <p:extLst>
       <p:ext uri="{BB962C8B-B14F-4D97-AF65-F5344CB8AC3E}">
-        <p14:creationId xmlns:p14="http://schemas.microsoft.com/office/powerpoint/2010/main" xmlns="" val="673480766"/>
+        <p14:creationId xmlns="" xmlns:p14="http://schemas.microsoft.com/office/powerpoint/2010/main" val="673480766"/>
       </p:ext>
     </p:extLst>
   </p:cSld>
@@ -9465,7 +9617,7 @@
     </p:spTree>
     <p:extLst>
       <p:ext uri="{BB962C8B-B14F-4D97-AF65-F5344CB8AC3E}">
-        <p14:creationId xmlns:p14="http://schemas.microsoft.com/office/powerpoint/2010/main" xmlns="" val="3700015921"/>
+        <p14:creationId xmlns="" xmlns:p14="http://schemas.microsoft.com/office/powerpoint/2010/main" val="3700015921"/>
       </p:ext>
     </p:extLst>
   </p:cSld>

--- a/CAP6675_HW2_Presentation.pptx
+++ b/CAP6675_HW2_Presentation.pptx
@@ -235,46 +235,46 @@
                 <c:formatCode>General</c:formatCode>
                 <c:ptCount val="21"/>
                 <c:pt idx="0">
-                  <c:v>80.192100025639732</c:v>
+                  <c:v>80.192100025639718</c:v>
                 </c:pt>
                 <c:pt idx="1">
-                  <c:v>85.112852329429586</c:v>
+                  <c:v>85.112852329429558</c:v>
                 </c:pt>
                 <c:pt idx="2">
                   <c:v>84.915458146912883</c:v>
                 </c:pt>
                 <c:pt idx="3">
-                  <c:v>88.541404932207044</c:v>
+                  <c:v>88.541404932207058</c:v>
                 </c:pt>
                 <c:pt idx="4">
-                  <c:v>89.274755902725616</c:v>
+                  <c:v>89.274755902725602</c:v>
                 </c:pt>
                 <c:pt idx="5">
-                  <c:v>89.814239331005652</c:v>
+                  <c:v>89.814239331005666</c:v>
                 </c:pt>
                 <c:pt idx="6">
                   <c:v>92.137025565565793</c:v>
                 </c:pt>
                 <c:pt idx="7">
-                  <c:v>92.922449941032482</c:v>
+                  <c:v>92.922449941032497</c:v>
                 </c:pt>
                 <c:pt idx="8">
-                  <c:v>94.180089295554538</c:v>
+                  <c:v>94.180089295554524</c:v>
                 </c:pt>
                 <c:pt idx="9">
-                  <c:v>95.457617229929028</c:v>
+                  <c:v>95.457617229929042</c:v>
                 </c:pt>
                 <c:pt idx="10">
                   <c:v>95.515483548943664</c:v>
                 </c:pt>
                 <c:pt idx="11">
-                  <c:v>97.223330072741007</c:v>
+                  <c:v>97.223330072740978</c:v>
                 </c:pt>
                 <c:pt idx="12">
                   <c:v>97.634679043319224</c:v>
                 </c:pt>
                 <c:pt idx="13">
-                  <c:v>98.205102728498332</c:v>
+                  <c:v>98.205102728498318</c:v>
                 </c:pt>
                 <c:pt idx="14">
                   <c:v>98.937865312513708</c:v>
@@ -292,7 +292,7 @@
                   <c:v>71.3424935476028</c:v>
                 </c:pt>
                 <c:pt idx="19">
-                  <c:v>71.199794738506398</c:v>
+                  <c:v>71.199794738506384</c:v>
                 </c:pt>
                 <c:pt idx="20">
                   <c:v>70.645749667676611</c:v>
@@ -389,7 +389,7 @@
                 <c:formatCode>General</c:formatCode>
                 <c:ptCount val="21"/>
                 <c:pt idx="0">
-                  <c:v>0.23550724637681006</c:v>
+                  <c:v>0.23550724637681009</c:v>
                 </c:pt>
                 <c:pt idx="1">
                   <c:v>0</c:v>
@@ -440,10 +440,10 @@
                   <c:v>0</c:v>
                 </c:pt>
                 <c:pt idx="17">
-                  <c:v>19.765457148802934</c:v>
+                  <c:v>19.76545714880293</c:v>
                 </c:pt>
                 <c:pt idx="18">
-                  <c:v>52.863661425025484</c:v>
+                  <c:v>52.863661425025477</c:v>
                 </c:pt>
                 <c:pt idx="19">
                   <c:v>52.75382843542117</c:v>
@@ -456,11 +456,11 @@
           </c:val>
         </c:ser>
         <c:marker val="1"/>
-        <c:axId val="75839744"/>
-        <c:axId val="75846016"/>
+        <c:axId val="124728832"/>
+        <c:axId val="124730752"/>
       </c:lineChart>
       <c:catAx>
-        <c:axId val="75839744"/>
+        <c:axId val="124728832"/>
         <c:scaling>
           <c:orientation val="minMax"/>
         </c:scaling>
@@ -489,14 +489,14 @@
         </c:title>
         <c:numFmt formatCode="General" sourceLinked="1"/>
         <c:tickLblPos val="nextTo"/>
-        <c:crossAx val="75846016"/>
+        <c:crossAx val="124730752"/>
         <c:crosses val="autoZero"/>
         <c:auto val="1"/>
         <c:lblAlgn val="ctr"/>
         <c:lblOffset val="100"/>
       </c:catAx>
       <c:valAx>
-        <c:axId val="75846016"/>
+        <c:axId val="124730752"/>
         <c:scaling>
           <c:orientation val="minMax"/>
           <c:max val="100"/>
@@ -523,7 +523,7 @@
         </c:title>
         <c:numFmt formatCode="General" sourceLinked="1"/>
         <c:tickLblPos val="nextTo"/>
-        <c:crossAx val="75839744"/>
+        <c:crossAx val="124728832"/>
         <c:crosses val="autoZero"/>
         <c:crossBetween val="between"/>
       </c:valAx>
@@ -707,11 +707,11 @@
           </c:val>
         </c:ser>
         <c:marker val="1"/>
-        <c:axId val="75874688"/>
-        <c:axId val="75876608"/>
+        <c:axId val="124759040"/>
+        <c:axId val="124765312"/>
       </c:lineChart>
       <c:catAx>
-        <c:axId val="75874688"/>
+        <c:axId val="124759040"/>
         <c:scaling>
           <c:orientation val="minMax"/>
         </c:scaling>
@@ -741,14 +741,14 @@
         </c:title>
         <c:numFmt formatCode="General" sourceLinked="1"/>
         <c:tickLblPos val="nextTo"/>
-        <c:crossAx val="75876608"/>
+        <c:crossAx val="124765312"/>
         <c:crosses val="autoZero"/>
         <c:auto val="1"/>
         <c:lblAlgn val="ctr"/>
         <c:lblOffset val="100"/>
       </c:catAx>
       <c:valAx>
-        <c:axId val="75876608"/>
+        <c:axId val="124765312"/>
         <c:scaling>
           <c:orientation val="minMax"/>
         </c:scaling>
@@ -774,7 +774,7 @@
         </c:title>
         <c:numFmt formatCode="General" sourceLinked="1"/>
         <c:tickLblPos val="nextTo"/>
-        <c:crossAx val="75874688"/>
+        <c:crossAx val="124759040"/>
         <c:crosses val="autoZero"/>
         <c:crossBetween val="between"/>
       </c:valAx>
@@ -1227,7 +1227,7 @@
             <a:fld id="{7D290233-0DD1-4A80-BB1E-9ADC3556DBB6}" type="datetimeFigureOut">
               <a:rPr lang="en-US" smtClean="0"/>
               <a:pPr/>
-              <a:t>9/28/2015</a:t>
+              <a:t>9/29/2015</a:t>
             </a:fld>
             <a:endParaRPr lang="en-US"/>
           </a:p>
@@ -1840,7 +1840,7 @@
             <a:fld id="{7D290233-0DD1-4A80-BB1E-9ADC3556DBB6}" type="datetimeFigureOut">
               <a:rPr lang="en-US" smtClean="0"/>
               <a:pPr/>
-              <a:t>9/28/2015</a:t>
+              <a:t>9/29/2015</a:t>
             </a:fld>
             <a:endParaRPr lang="en-US"/>
           </a:p>
@@ -2414,7 +2414,7 @@
             <a:fld id="{7D290233-0DD1-4A80-BB1E-9ADC3556DBB6}" type="datetimeFigureOut">
               <a:rPr lang="en-US" smtClean="0"/>
               <a:pPr/>
-              <a:t>9/28/2015</a:t>
+              <a:t>9/29/2015</a:t>
             </a:fld>
             <a:endParaRPr lang="en-US"/>
           </a:p>
@@ -2950,7 +2950,7 @@
             <a:fld id="{7D290233-0DD1-4A80-BB1E-9ADC3556DBB6}" type="datetimeFigureOut">
               <a:rPr lang="en-US" smtClean="0"/>
               <a:pPr/>
-              <a:t>9/28/2015</a:t>
+              <a:t>9/29/2015</a:t>
             </a:fld>
             <a:endParaRPr lang="en-US"/>
           </a:p>
@@ -3354,7 +3354,7 @@
             <a:fld id="{7D290233-0DD1-4A80-BB1E-9ADC3556DBB6}" type="datetimeFigureOut">
               <a:rPr lang="en-US" smtClean="0"/>
               <a:pPr/>
-              <a:t>9/28/2015</a:t>
+              <a:t>9/29/2015</a:t>
             </a:fld>
             <a:endParaRPr lang="en-US"/>
           </a:p>
@@ -3789,7 +3789,7 @@
             <a:fld id="{7D290233-0DD1-4A80-BB1E-9ADC3556DBB6}" type="datetimeFigureOut">
               <a:rPr lang="en-US" smtClean="0"/>
               <a:pPr/>
-              <a:t>9/28/2015</a:t>
+              <a:t>9/29/2015</a:t>
             </a:fld>
             <a:endParaRPr lang="en-US"/>
           </a:p>
@@ -4193,7 +4193,7 @@
             <a:fld id="{7D290233-0DD1-4A80-BB1E-9ADC3556DBB6}" type="datetimeFigureOut">
               <a:rPr lang="en-US" smtClean="0"/>
               <a:pPr/>
-              <a:t>9/28/2015</a:t>
+              <a:t>9/29/2015</a:t>
             </a:fld>
             <a:endParaRPr lang="en-US"/>
           </a:p>
@@ -4669,7 +4669,7 @@
             <a:fld id="{7D290233-0DD1-4A80-BB1E-9ADC3556DBB6}" type="datetimeFigureOut">
               <a:rPr lang="en-US" smtClean="0"/>
               <a:pPr/>
-              <a:t>9/28/2015</a:t>
+              <a:t>9/29/2015</a:t>
             </a:fld>
             <a:endParaRPr lang="en-US"/>
           </a:p>
@@ -5120,7 +5120,7 @@
             <a:fld id="{7D290233-0DD1-4A80-BB1E-9ADC3556DBB6}" type="datetimeFigureOut">
               <a:rPr lang="en-US" smtClean="0"/>
               <a:pPr/>
-              <a:t>9/28/2015</a:t>
+              <a:t>9/29/2015</a:t>
             </a:fld>
             <a:endParaRPr lang="en-US"/>
           </a:p>
@@ -5642,7 +5642,7 @@
             <a:fld id="{7D290233-0DD1-4A80-BB1E-9ADC3556DBB6}" type="datetimeFigureOut">
               <a:rPr lang="en-US" smtClean="0"/>
               <a:pPr/>
-              <a:t>9/28/2015</a:t>
+              <a:t>9/29/2015</a:t>
             </a:fld>
             <a:endParaRPr lang="en-US"/>
           </a:p>
@@ -6364,7 +6364,7 @@
             <a:fld id="{7D290233-0DD1-4A80-BB1E-9ADC3556DBB6}" type="datetimeFigureOut">
               <a:rPr lang="en-US" smtClean="0"/>
               <a:pPr/>
-              <a:t>9/28/2015</a:t>
+              <a:t>9/29/2015</a:t>
             </a:fld>
             <a:endParaRPr lang="en-US"/>
           </a:p>
@@ -6712,7 +6712,7 @@
             <a:fld id="{7D290233-0DD1-4A80-BB1E-9ADC3556DBB6}" type="datetimeFigureOut">
               <a:rPr lang="en-US" smtClean="0"/>
               <a:pPr/>
-              <a:t>9/28/2015</a:t>
+              <a:t>9/29/2015</a:t>
             </a:fld>
             <a:endParaRPr lang="en-US"/>
           </a:p>
@@ -6983,7 +6983,7 @@
             <a:fld id="{7D290233-0DD1-4A80-BB1E-9ADC3556DBB6}" type="datetimeFigureOut">
               <a:rPr lang="en-US" smtClean="0"/>
               <a:pPr/>
-              <a:t>9/28/2015</a:t>
+              <a:t>9/29/2015</a:t>
             </a:fld>
             <a:endParaRPr lang="en-US"/>
           </a:p>
@@ -7542,7 +7542,7 @@
             <a:fld id="{7D290233-0DD1-4A80-BB1E-9ADC3556DBB6}" type="datetimeFigureOut">
               <a:rPr lang="en-US" smtClean="0"/>
               <a:pPr/>
-              <a:t>9/28/2015</a:t>
+              <a:t>9/29/2015</a:t>
             </a:fld>
             <a:endParaRPr lang="en-US"/>
           </a:p>
@@ -7754,7 +7754,7 @@
             <a:fld id="{7D290233-0DD1-4A80-BB1E-9ADC3556DBB6}" type="datetimeFigureOut">
               <a:rPr lang="en-US" smtClean="0"/>
               <a:pPr/>
-              <a:t>9/28/2015</a:t>
+              <a:t>9/29/2015</a:t>
             </a:fld>
             <a:endParaRPr lang="en-US"/>
           </a:p>
@@ -8237,7 +8237,15 @@
           <a:p>
             <a:r>
               <a:rPr lang="en-US" sz="4000" dirty="0" smtClean="0"/>
-              <a:t>Exploration of Thomas Schelling’s Model of Segregation</a:t>
+              <a:t>Exploration of Thomas Schelling’s </a:t>
+            </a:r>
+            <a:r>
+              <a:rPr lang="en-US" sz="4000" dirty="0" smtClean="0"/>
+              <a:t>Models </a:t>
+            </a:r>
+            <a:r>
+              <a:rPr lang="en-US" sz="4000" dirty="0" smtClean="0"/>
+              <a:t>of Segregation</a:t>
             </a:r>
             <a:endParaRPr lang="en-US" sz="4000" dirty="0"/>
           </a:p>
@@ -8306,7 +8314,7 @@
     </p:spTree>
     <p:extLst>
       <p:ext uri="{BB962C8B-B14F-4D97-AF65-F5344CB8AC3E}">
-        <p14:creationId xmlns="" xmlns:p14="http://schemas.microsoft.com/office/powerpoint/2010/main" val="1880065562"/>
+        <p14:creationId xmlns:p14="http://schemas.microsoft.com/office/powerpoint/2010/main" xmlns="" val="1880065562"/>
       </p:ext>
     </p:extLst>
   </p:cSld>
@@ -8463,7 +8471,7 @@
     </p:spTree>
     <p:extLst>
       <p:ext uri="{BB962C8B-B14F-4D97-AF65-F5344CB8AC3E}">
-        <p14:creationId xmlns="" xmlns:p14="http://schemas.microsoft.com/office/powerpoint/2010/main" val="4047314403"/>
+        <p14:creationId xmlns:p14="http://schemas.microsoft.com/office/powerpoint/2010/main" xmlns="" val="4047314403"/>
       </p:ext>
     </p:extLst>
   </p:cSld>
@@ -8665,7 +8673,7 @@
     </p:spTree>
     <p:extLst>
       <p:ext uri="{BB962C8B-B14F-4D97-AF65-F5344CB8AC3E}">
-        <p14:creationId xmlns="" xmlns:p14="http://schemas.microsoft.com/office/powerpoint/2010/main" val="2890700283"/>
+        <p14:creationId xmlns:p14="http://schemas.microsoft.com/office/powerpoint/2010/main" xmlns="" val="2890700283"/>
       </p:ext>
     </p:extLst>
   </p:cSld>
@@ -8726,7 +8734,7 @@
           <p:nvPr>
             <p:extLst>
               <p:ext uri="{D42A27DB-BD31-4B8C-83A1-F6EECF244321}">
-                <p14:modId xmlns="" xmlns:p14="http://schemas.microsoft.com/office/powerpoint/2010/main" val="3717212227"/>
+                <p14:modId xmlns:p14="http://schemas.microsoft.com/office/powerpoint/2010/main" xmlns="" val="3717212227"/>
               </p:ext>
             </p:extLst>
           </p:nvPr>
@@ -8750,7 +8758,7 @@
           <p:nvPr>
             <p:extLst>
               <p:ext uri="{D42A27DB-BD31-4B8C-83A1-F6EECF244321}">
-                <p14:modId xmlns="" xmlns:p14="http://schemas.microsoft.com/office/powerpoint/2010/main" val="2053670861"/>
+                <p14:modId xmlns:p14="http://schemas.microsoft.com/office/powerpoint/2010/main" xmlns="" val="2053670861"/>
               </p:ext>
             </p:extLst>
           </p:nvPr>
@@ -8868,14 +8876,13 @@
               <a:rPr lang="en-US" sz="1800" dirty="0" smtClean="0"/>
               <a:t>When more tolerant the younger age group can improve the level of integration. But…</a:t>
             </a:r>
-            <a:endParaRPr lang="en-US" sz="1800" dirty="0" smtClean="0"/>
           </a:p>
         </p:txBody>
       </p:sp>
     </p:spTree>
     <p:extLst>
       <p:ext uri="{BB962C8B-B14F-4D97-AF65-F5344CB8AC3E}">
-        <p14:creationId xmlns="" xmlns:p14="http://schemas.microsoft.com/office/powerpoint/2010/main" val="2372636224"/>
+        <p14:creationId xmlns:p14="http://schemas.microsoft.com/office/powerpoint/2010/main" xmlns="" val="2372636224"/>
       </p:ext>
     </p:extLst>
   </p:cSld>
@@ -8970,27 +8977,7 @@
             </a:pPr>
             <a:r>
               <a:rPr lang="en-US" dirty="0" smtClean="0"/>
-              <a:t>How </a:t>
-            </a:r>
-            <a:r>
-              <a:rPr lang="en-US" dirty="0" smtClean="0"/>
-              <a:t>do </a:t>
-            </a:r>
-            <a:r>
-              <a:rPr lang="en-US" dirty="0" smtClean="0"/>
-              <a:t>individuals with different lengths of residency </a:t>
-            </a:r>
-            <a:r>
-              <a:rPr lang="en-US" dirty="0" smtClean="0"/>
-              <a:t>affect convergence in </a:t>
-            </a:r>
-            <a:r>
-              <a:rPr lang="en-US" dirty="0" smtClean="0"/>
-              <a:t>a common </a:t>
-            </a:r>
-            <a:r>
-              <a:rPr lang="en-US" dirty="0" smtClean="0"/>
-              <a:t>neighborhood</a:t>
+              <a:t>How do individuals with different lengths of residency affect convergence in a common neighborhood</a:t>
             </a:r>
             <a:endParaRPr lang="en-US" dirty="0"/>
           </a:p>
@@ -9015,7 +9002,6 @@
               <a:rPr lang="en-US" dirty="0" smtClean="0"/>
               <a:t>Should slow convergence, and change equilibrium point</a:t>
             </a:r>
-            <a:endParaRPr lang="en-US" dirty="0" smtClean="0"/>
           </a:p>
           <a:p>
             <a:pPr marL="0" indent="0">
@@ -9027,7 +9013,20 @@
             </a:r>
             <a:r>
               <a:rPr lang="en-US" dirty="0" smtClean="0"/>
-              <a:t>: </a:t>
+              <a:t>:</a:t>
+            </a:r>
+          </a:p>
+          <a:p>
+            <a:pPr marL="0" indent="0">
+              <a:buNone/>
+            </a:pPr>
+            <a:r>
+              <a:rPr lang="en-US" dirty="0" smtClean="0"/>
+              <a:t>Some individuals that would move end up staying because of length of residency </a:t>
+            </a:r>
+            <a:r>
+              <a:rPr lang="en-US" dirty="0" smtClean="0"/>
+              <a:t> </a:t>
             </a:r>
             <a:endParaRPr lang="en-US" dirty="0" smtClean="0"/>
           </a:p>
@@ -9042,7 +9041,7 @@
     </p:spTree>
     <p:extLst>
       <p:ext uri="{BB962C8B-B14F-4D97-AF65-F5344CB8AC3E}">
-        <p14:creationId xmlns="" xmlns:p14="http://schemas.microsoft.com/office/powerpoint/2010/main" val="1858108684"/>
+        <p14:creationId xmlns:p14="http://schemas.microsoft.com/office/powerpoint/2010/main" xmlns="" val="1858108684"/>
       </p:ext>
     </p:extLst>
   </p:cSld>
@@ -9131,7 +9130,52 @@
             <a:pPr marL="0" indent="0"/>
             <a:r>
               <a:rPr lang="en-US" dirty="0" smtClean="0"/>
-              <a:t> One neighborhood</a:t>
+              <a:t> One </a:t>
+            </a:r>
+            <a:r>
+              <a:rPr lang="en-US" dirty="0" smtClean="0"/>
+              <a:t>neighborhood</a:t>
+            </a:r>
+            <a:endParaRPr lang="en-US" dirty="0" smtClean="0"/>
+          </a:p>
+          <a:p>
+            <a:pPr marL="0" indent="0"/>
+            <a:r>
+              <a:rPr lang="en-US" dirty="0" smtClean="0"/>
+              <a:t> Decision to leave based on ratio of everyone in 	</a:t>
+            </a:r>
+            <a:r>
+              <a:rPr lang="en-US" dirty="0" smtClean="0"/>
+              <a:t>community</a:t>
+            </a:r>
+            <a:endParaRPr lang="en-US" dirty="0" smtClean="0"/>
+          </a:p>
+          <a:p>
+            <a:pPr marL="0" indent="0">
+              <a:buNone/>
+            </a:pPr>
+            <a:r>
+              <a:rPr lang="en-US" u="sng" dirty="0" smtClean="0"/>
+              <a:t>Model </a:t>
+            </a:r>
+            <a:r>
+              <a:rPr lang="en-US" u="sng" dirty="0"/>
+              <a:t>Changes</a:t>
+            </a:r>
+            <a:r>
+              <a:rPr lang="en-US" dirty="0" smtClean="0"/>
+              <a:t>:</a:t>
+            </a:r>
+          </a:p>
+          <a:p>
+            <a:pPr marL="0" indent="0"/>
+            <a:r>
+              <a:rPr lang="en-US" dirty="0" smtClean="0"/>
+              <a:t> Longer agent stays less likely to </a:t>
+            </a:r>
+            <a:r>
+              <a:rPr lang="en-US" dirty="0" smtClean="0"/>
+              <a:t>move</a:t>
             </a:r>
           </a:p>
           <a:p>
@@ -9142,36 +9186,7 @@
             </a:r>
             <a:r>
               <a:rPr lang="en-US" dirty="0" smtClean="0"/>
-              <a:t>Decision to leave based on ratio of everyone in 	neighborhood</a:t>
-            </a:r>
-            <a:endParaRPr lang="en-US" dirty="0" smtClean="0"/>
-          </a:p>
-          <a:p>
-            <a:pPr marL="0" indent="0">
-              <a:buNone/>
-            </a:pPr>
-            <a:r>
-              <a:rPr lang="en-US" u="sng" dirty="0" smtClean="0"/>
-              <a:t>Model </a:t>
-            </a:r>
-            <a:r>
-              <a:rPr lang="en-US" u="sng" dirty="0"/>
-              <a:t>Changes</a:t>
-            </a:r>
-            <a:r>
-              <a:rPr lang="en-US" dirty="0" smtClean="0"/>
-              <a:t>:</a:t>
-            </a:r>
-          </a:p>
-          <a:p>
-            <a:pPr marL="0" indent="0"/>
-            <a:r>
-              <a:rPr lang="en-US" dirty="0" smtClean="0"/>
-              <a:t> </a:t>
-            </a:r>
-            <a:r>
-              <a:rPr lang="en-US" dirty="0" smtClean="0"/>
-              <a:t>Longer agent stays less likely to move</a:t>
+              <a:t>Probability of leaving drops linearly as length of 	stay increases</a:t>
             </a:r>
             <a:endParaRPr lang="en-US" dirty="0" smtClean="0"/>
           </a:p>
@@ -9186,7 +9201,7 @@
     </p:spTree>
     <p:extLst>
       <p:ext uri="{BB962C8B-B14F-4D97-AF65-F5344CB8AC3E}">
-        <p14:creationId xmlns="" xmlns:p14="http://schemas.microsoft.com/office/powerpoint/2010/main" val="730276728"/>
+        <p14:creationId xmlns:p14="http://schemas.microsoft.com/office/powerpoint/2010/main" xmlns="" val="730276728"/>
       </p:ext>
     </p:extLst>
   </p:cSld>
@@ -9315,7 +9330,51 @@
                   </a:srgbClr>
                 </a:solidFill>
               </a:rPr>
-              <a:t>Rate of abandonment is slowed by high initial length of residency. At a certain point agents will not move.</a:t>
+              <a:t>Rate of abandonment is slowed by </a:t>
+            </a:r>
+            <a:r>
+              <a:rPr lang="en-US" sz="1800" dirty="0" smtClean="0">
+                <a:solidFill>
+                  <a:srgbClr val="000000">
+                    <a:lumMod val="75000"/>
+                    <a:lumOff val="25000"/>
+                  </a:srgbClr>
+                </a:solidFill>
+              </a:rPr>
+              <a:t>higher </a:t>
+            </a:r>
+            <a:r>
+              <a:rPr lang="en-US" sz="1800" dirty="0" smtClean="0">
+                <a:solidFill>
+                  <a:srgbClr val="000000">
+                    <a:lumMod val="75000"/>
+                    <a:lumOff val="25000"/>
+                  </a:srgbClr>
+                </a:solidFill>
+              </a:rPr>
+              <a:t>initial length of residency. </a:t>
+            </a:r>
+            <a:r>
+              <a:rPr lang="en-US" sz="1800" dirty="0" smtClean="0">
+                <a:solidFill>
+                  <a:srgbClr val="000000">
+                    <a:lumMod val="75000"/>
+                    <a:lumOff val="25000"/>
+                  </a:srgbClr>
+                </a:solidFill>
+              </a:rPr>
+              <a:t>Equilibrium changes</a:t>
+            </a:r>
+            <a:r>
+              <a:rPr lang="en-US" sz="1800" dirty="0" smtClean="0">
+                <a:solidFill>
+                  <a:srgbClr val="000000">
+                    <a:lumMod val="75000"/>
+                    <a:lumOff val="25000"/>
+                  </a:srgbClr>
+                </a:solidFill>
+              </a:rPr>
+              <a:t>.</a:t>
             </a:r>
             <a:endParaRPr lang="en-US" dirty="0"/>
           </a:p>
@@ -9369,11 +9428,7 @@
           <a:p>
             <a:r>
               <a:rPr lang="en-US" sz="1000" dirty="0" smtClean="0"/>
-              <a:t>Parameters</a:t>
-            </a:r>
-            <a:r>
-              <a:rPr lang="en-US" sz="1000" dirty="0" smtClean="0"/>
-              <a:t>: 101 max agents, red max </a:t>
+              <a:t>Parameters: 101 max agents, red max </a:t>
             </a:r>
             <a:r>
               <a:rPr lang="en-US" sz="1000" dirty="0" err="1" smtClean="0"/>
@@ -9407,13 +9462,8 @@
             </a:r>
             <a:r>
               <a:rPr lang="en-US" sz="1000" dirty="0" smtClean="0"/>
-              <a:t>Schelling’s </a:t>
-            </a:r>
-            <a:r>
-              <a:rPr lang="en-US" sz="1000" dirty="0" smtClean="0"/>
-              <a:t>equilibrium in this case would be all greens </a:t>
-            </a:r>
-            <a:endParaRPr lang="en-US" sz="1000" dirty="0" smtClean="0"/>
+              <a:t>Schelling’s equilibrium in this case would be all greens </a:t>
+            </a:r>
           </a:p>
           <a:p>
             <a:r>
@@ -9467,7 +9517,7 @@
     </p:spTree>
     <p:extLst>
       <p:ext uri="{BB962C8B-B14F-4D97-AF65-F5344CB8AC3E}">
-        <p14:creationId xmlns="" xmlns:p14="http://schemas.microsoft.com/office/powerpoint/2010/main" val="673480766"/>
+        <p14:creationId xmlns:p14="http://schemas.microsoft.com/office/powerpoint/2010/main" xmlns="" val="673480766"/>
       </p:ext>
     </p:extLst>
   </p:cSld>
@@ -9617,7 +9667,7 @@
     </p:spTree>
     <p:extLst>
       <p:ext uri="{BB962C8B-B14F-4D97-AF65-F5344CB8AC3E}">
-        <p14:creationId xmlns="" xmlns:p14="http://schemas.microsoft.com/office/powerpoint/2010/main" val="3700015921"/>
+        <p14:creationId xmlns:p14="http://schemas.microsoft.com/office/powerpoint/2010/main" xmlns="" val="3700015921"/>
       </p:ext>
     </p:extLst>
   </p:cSld>

--- a/CAP6675_HW2_Presentation.pptx
+++ b/CAP6675_HW2_Presentation.pptx
@@ -9,7 +9,7 @@
     <p:sldId id="257" r:id="rId3"/>
     <p:sldId id="260" r:id="rId4"/>
     <p:sldId id="266" r:id="rId5"/>
-    <p:sldId id="259" r:id="rId6"/>
+    <p:sldId id="268" r:id="rId6"/>
     <p:sldId id="262" r:id="rId7"/>
     <p:sldId id="265" r:id="rId8"/>
     <p:sldId id="263" r:id="rId9"/>
@@ -8956,7 +8956,9 @@
           </a:xfrm>
         </p:spPr>
         <p:txBody>
-          <a:bodyPr/>
+          <a:bodyPr>
+            <a:normAutofit fontScale="77500" lnSpcReduction="20000"/>
+          </a:bodyPr>
           <a:lstStyle/>
           <a:p>
             <a:pPr marL="0" indent="0">
@@ -8972,12 +8974,9 @@
             </a:r>
           </a:p>
           <a:p>
-            <a:pPr marL="0" indent="0">
-              <a:buNone/>
-            </a:pPr>
             <a:r>
               <a:rPr lang="en-US" dirty="0" smtClean="0"/>
-              <a:t>How do individuals with different lengths of residency affect convergence in a common neighborhood</a:t>
+              <a:t>How do individuals with different lengths of residency affect convergence in a common neighborhood?</a:t>
             </a:r>
             <a:endParaRPr lang="en-US" dirty="0"/>
           </a:p>
@@ -8995,12 +8994,62 @@
             </a:r>
           </a:p>
           <a:p>
-            <a:pPr marL="0" indent="0">
-              <a:buNone/>
-            </a:pPr>
+            <a:r>
+              <a:rPr lang="en-US" dirty="0"/>
+              <a:t>A race that has lived in the area for a longer time </a:t>
+            </a:r>
+            <a:endParaRPr lang="en-US" dirty="0" smtClean="0"/>
+          </a:p>
+          <a:p>
+            <a:pPr lvl="1"/>
             <a:r>
               <a:rPr lang="en-US" dirty="0" smtClean="0"/>
-              <a:t>Should slow convergence, and change equilibrium point</a:t>
+              <a:t>higher </a:t>
+            </a:r>
+            <a:r>
+              <a:rPr lang="en-US" dirty="0"/>
+              <a:t>mean initial </a:t>
+            </a:r>
+            <a:r>
+              <a:rPr lang="en-US" dirty="0" err="1"/>
+              <a:t>LoR</a:t>
+            </a:r>
+            <a:r>
+              <a:rPr lang="en-US" dirty="0"/>
+              <a:t> -&gt; slow convergence to Shelling’s equilibria </a:t>
+            </a:r>
+          </a:p>
+          <a:p>
+            <a:r>
+              <a:rPr lang="en-US" dirty="0" smtClean="0"/>
+              <a:t>A </a:t>
+            </a:r>
+            <a:r>
+              <a:rPr lang="en-US" dirty="0"/>
+              <a:t>race of individuals who have not resided in the area for </a:t>
+            </a:r>
+            <a:r>
+              <a:rPr lang="en-US" dirty="0" smtClean="0"/>
+              <a:t>long</a:t>
+            </a:r>
+          </a:p>
+          <a:p>
+            <a:pPr lvl="1"/>
+            <a:r>
+              <a:rPr lang="en-US" dirty="0" smtClean="0"/>
+              <a:t>low </a:t>
+            </a:r>
+            <a:r>
+              <a:rPr lang="en-US" dirty="0"/>
+              <a:t>mean </a:t>
+            </a:r>
+            <a:r>
+              <a:rPr lang="en-US" dirty="0" err="1"/>
+              <a:t>LoR</a:t>
+            </a:r>
+            <a:r>
+              <a:rPr lang="en-US" dirty="0"/>
+              <a:t> -&gt; faster convergence to Schelling’s equilibria. </a:t>
             </a:r>
           </a:p>
           <a:p>
@@ -9013,28 +9062,22 @@
             </a:r>
             <a:r>
               <a:rPr lang="en-US" dirty="0" smtClean="0"/>
-              <a:t>:</a:t>
-            </a:r>
-          </a:p>
-          <a:p>
-            <a:pPr marL="0" indent="0">
-              <a:buNone/>
-            </a:pPr>
-            <a:r>
-              <a:rPr lang="en-US" dirty="0" smtClean="0"/>
-              <a:t>Some individuals that would move end up staying because of length of residency </a:t>
-            </a:r>
-            <a:r>
-              <a:rPr lang="en-US" dirty="0" smtClean="0"/>
-              <a:t> </a:t>
-            </a:r>
-            <a:endParaRPr lang="en-US" dirty="0" smtClean="0"/>
-          </a:p>
-          <a:p>
-            <a:pPr marL="0" indent="0">
-              <a:buNone/>
-            </a:pPr>
-            <a:endParaRPr lang="en-US" dirty="0"/>
+              <a:t>: </a:t>
+            </a:r>
+          </a:p>
+          <a:p>
+            <a:r>
+              <a:rPr lang="en-US" dirty="0"/>
+              <a:t>Greater </a:t>
+            </a:r>
+            <a:r>
+              <a:rPr lang="en-US" dirty="0" err="1"/>
+              <a:t>LoR</a:t>
+            </a:r>
+            <a:r>
+              <a:rPr lang="en-US" dirty="0"/>
+              <a:t> means greater reluctance to leave despite racial dissatisfaction</a:t>
+            </a:r>
           </a:p>
         </p:txBody>
       </p:sp>
